--- a/WinRT and Caliburn.Micro.pptx
+++ b/WinRT and Caliburn.Micro.pptx
@@ -213,7 +213,7 @@
           <a:p>
             <a:fld id="{D686DCEA-62FB-4E62-8715-AD5E68A2B73F}" type="datetimeFigureOut">
               <a:rPr lang="en-US" smtClean="0"/>
-              <a:t>11/11/2013</a:t>
+              <a:t>11/12/2013</a:t>
             </a:fld>
             <a:endParaRPr lang="en-US"/>
           </a:p>
@@ -1223,6 +1223,26 @@
           <a:bodyPr/>
           <a:lstStyle/>
           <a:p>
+            <a:r>
+              <a:rPr lang="en-US" dirty="0" smtClean="0"/>
+              <a:t>To avoid</a:t>
+            </a:r>
+            <a:r>
+              <a:rPr lang="en-US" baseline="0" dirty="0" smtClean="0"/>
+              <a:t> Fat View and </a:t>
+            </a:r>
+            <a:r>
+              <a:rPr lang="en-US" baseline="0" dirty="0" err="1" smtClean="0"/>
+              <a:t>ViewModel</a:t>
+            </a:r>
+            <a:r>
+              <a:rPr lang="en-US" baseline="0" dirty="0" smtClean="0"/>
+              <a:t>, we can compose the View by using </a:t>
+            </a:r>
+            <a:r>
+              <a:rPr lang="en-US" baseline="0" dirty="0" err="1" smtClean="0"/>
+              <a:t>ContentControl</a:t>
+            </a:r>
             <a:endParaRPr lang="en-US" dirty="0"/>
           </a:p>
         </p:txBody>
@@ -2518,6 +2538,43 @@
               <a:rPr lang="en-US" baseline="0" dirty="0" smtClean="0"/>
               <a:t> to remember PDC 2010 when Bob Muglia </a:t>
             </a:r>
+            <a:r>
+              <a:rPr lang="en-US" baseline="0" dirty="0" smtClean="0"/>
+              <a:t>said </a:t>
+            </a:r>
+            <a:r>
+              <a:rPr lang="en-US" sz="1200" b="0" i="0" kern="1200" dirty="0" smtClean="0">
+                <a:solidFill>
+                  <a:schemeClr val="tx1"/>
+                </a:solidFill>
+                <a:effectLst/>
+                <a:latin typeface="+mn-lt"/>
+                <a:ea typeface="+mn-ea"/>
+                <a:cs typeface="+mn-cs"/>
+              </a:rPr>
+              <a:t>“Our Silverlight strategy and focus going forward has shifted.”</a:t>
+            </a:r>
+            <a:endParaRPr lang="en-US" dirty="0" smtClean="0"/>
+          </a:p>
+          <a:p>
+            <a:endParaRPr lang="en-US" dirty="0" smtClean="0"/>
+          </a:p>
+          <a:p>
+            <a:r>
+              <a:rPr lang="en-US" dirty="0" smtClean="0">
+                <a:hlinkClick r:id="rId3"/>
+              </a:rPr>
+              <a:t>http://blogs.msdn.com/b/silverlight/archive/2010/11/01/pdc-and-silverlight.aspx</a:t>
+            </a:r>
+            <a:endParaRPr lang="en-US" dirty="0" smtClean="0"/>
+          </a:p>
+          <a:p>
+            <a:r>
+              <a:rPr lang="en-US" dirty="0" smtClean="0">
+                <a:hlinkClick r:id="rId4"/>
+              </a:rPr>
+              <a:t>http://timheuer.com/blog/archive/2010/11/01/silverlight-is-dead-long-live-silverlight.aspx</a:t>
+            </a:r>
             <a:endParaRPr lang="en-US" dirty="0" smtClean="0"/>
           </a:p>
           <a:p>
@@ -2539,7 +2596,7 @@
           <a:p>
             <a:r>
               <a:rPr lang="en-US" dirty="0" smtClean="0">
-                <a:hlinkClick r:id="rId3"/>
+                <a:hlinkClick r:id="rId5"/>
               </a:rPr>
               <a:t>http://channel9.msdn.com/Events/Build/BUILD2011/PLAT-874T</a:t>
             </a:r>
@@ -3705,7 +3762,11 @@
             </a:r>
             <a:r>
               <a:rPr lang="en-US" baseline="0" dirty="0" smtClean="0"/>
-              <a:t>, Pub/Sub implementation </a:t>
+              <a:t> container (some people called it DI container), </a:t>
+            </a:r>
+            <a:r>
+              <a:rPr lang="en-US" baseline="0" dirty="0" smtClean="0"/>
+              <a:t>Pub/Sub implementation </a:t>
             </a:r>
           </a:p>
           <a:p>
@@ -5196,7 +5257,7 @@
           <a:p>
             <a:fld id="{F8A3096A-6439-4F5A-A4AC-F7B1E2232E51}" type="datetimeFigureOut">
               <a:rPr lang="en-US" smtClean="0"/>
-              <a:t>11/11/2013</a:t>
+              <a:t>11/12/2013</a:t>
             </a:fld>
             <a:endParaRPr lang="en-US"/>
           </a:p>
@@ -5371,7 +5432,7 @@
           <a:p>
             <a:fld id="{F8A3096A-6439-4F5A-A4AC-F7B1E2232E51}" type="datetimeFigureOut">
               <a:rPr lang="en-US" smtClean="0"/>
-              <a:t>11/11/2013</a:t>
+              <a:t>11/12/2013</a:t>
             </a:fld>
             <a:endParaRPr lang="en-US"/>
           </a:p>
@@ -5625,7 +5686,7 @@
           <a:p>
             <a:fld id="{F8A3096A-6439-4F5A-A4AC-F7B1E2232E51}" type="datetimeFigureOut">
               <a:rPr lang="en-US" smtClean="0"/>
-              <a:t>11/11/2013</a:t>
+              <a:t>11/12/2013</a:t>
             </a:fld>
             <a:endParaRPr lang="en-US"/>
           </a:p>
@@ -5817,7 +5878,7 @@
           <a:p>
             <a:fld id="{F8A3096A-6439-4F5A-A4AC-F7B1E2232E51}" type="datetimeFigureOut">
               <a:rPr lang="en-US" smtClean="0"/>
-              <a:t>11/11/2013</a:t>
+              <a:t>11/12/2013</a:t>
             </a:fld>
             <a:endParaRPr lang="en-US"/>
           </a:p>
@@ -6154,7 +6215,7 @@
           <a:p>
             <a:fld id="{F8A3096A-6439-4F5A-A4AC-F7B1E2232E51}" type="datetimeFigureOut">
               <a:rPr lang="en-US" smtClean="0"/>
-              <a:t>11/11/2013</a:t>
+              <a:t>11/12/2013</a:t>
             </a:fld>
             <a:endParaRPr lang="en-US"/>
           </a:p>
@@ -6463,7 +6524,7 @@
           <a:p>
             <a:fld id="{F8A3096A-6439-4F5A-A4AC-F7B1E2232E51}" type="datetimeFigureOut">
               <a:rPr lang="en-US" smtClean="0"/>
-              <a:t>11/11/2013</a:t>
+              <a:t>11/12/2013</a:t>
             </a:fld>
             <a:endParaRPr lang="en-US"/>
           </a:p>
@@ -6921,7 +6982,7 @@
           <a:p>
             <a:fld id="{F8A3096A-6439-4F5A-A4AC-F7B1E2232E51}" type="datetimeFigureOut">
               <a:rPr lang="en-US" smtClean="0"/>
-              <a:t>11/11/2013</a:t>
+              <a:t>11/12/2013</a:t>
             </a:fld>
             <a:endParaRPr lang="en-US"/>
           </a:p>
@@ -7075,7 +7136,7 @@
           <a:p>
             <a:fld id="{F8A3096A-6439-4F5A-A4AC-F7B1E2232E51}" type="datetimeFigureOut">
               <a:rPr lang="en-US" smtClean="0"/>
-              <a:t>11/11/2013</a:t>
+              <a:t>11/12/2013</a:t>
             </a:fld>
             <a:endParaRPr lang="en-US"/>
           </a:p>
@@ -7201,7 +7262,7 @@
           <a:p>
             <a:fld id="{F8A3096A-6439-4F5A-A4AC-F7B1E2232E51}" type="datetimeFigureOut">
               <a:rPr lang="en-US" smtClean="0"/>
-              <a:t>11/11/2013</a:t>
+              <a:t>11/12/2013</a:t>
             </a:fld>
             <a:endParaRPr lang="en-US"/>
           </a:p>
@@ -7486,7 +7547,7 @@
           <a:p>
             <a:fld id="{F8A3096A-6439-4F5A-A4AC-F7B1E2232E51}" type="datetimeFigureOut">
               <a:rPr lang="en-US" smtClean="0"/>
-              <a:t>11/11/2013</a:t>
+              <a:t>11/12/2013</a:t>
             </a:fld>
             <a:endParaRPr lang="en-US"/>
           </a:p>
@@ -7787,7 +7848,7 @@
           <a:p>
             <a:fld id="{F8A3096A-6439-4F5A-A4AC-F7B1E2232E51}" type="datetimeFigureOut">
               <a:rPr lang="en-US" smtClean="0"/>
-              <a:t>11/11/2013</a:t>
+              <a:t>11/12/2013</a:t>
             </a:fld>
             <a:endParaRPr lang="en-US"/>
           </a:p>
@@ -8067,7 +8128,7 @@
           <a:p>
             <a:fld id="{F8A3096A-6439-4F5A-A4AC-F7B1E2232E51}" type="datetimeFigureOut">
               <a:rPr lang="en-US" smtClean="0"/>
-              <a:t>11/11/2013</a:t>
+              <a:t>11/12/2013</a:t>
             </a:fld>
             <a:endParaRPr lang="en-US"/>
           </a:p>
@@ -8993,6 +9054,13 @@
               <a:t>How </a:t>
             </a:r>
             <a:r>
+              <a:rPr lang="en-US" dirty="0" smtClean="0">
+                <a:latin typeface="Segoe UI Light" panose="020B0502040204020203" pitchFamily="34" charset="0"/>
+                <a:cs typeface="Segoe UI Light" panose="020B0502040204020203" pitchFamily="34" charset="0"/>
+              </a:rPr>
+              <a:t>does </a:t>
+            </a:r>
+            <a:r>
               <a:rPr lang="en-US" dirty="0" err="1" smtClean="0">
                 <a:latin typeface="Segoe UI Light" panose="020B0502040204020203" pitchFamily="34" charset="0"/>
                 <a:cs typeface="Segoe UI Light" panose="020B0502040204020203" pitchFamily="34" charset="0"/>
@@ -9004,7 +9072,14 @@
                 <a:latin typeface="Segoe UI Light" panose="020B0502040204020203" pitchFamily="34" charset="0"/>
                 <a:cs typeface="Segoe UI Light" panose="020B0502040204020203" pitchFamily="34" charset="0"/>
               </a:rPr>
-              <a:t> knows that it should bind </a:t>
+              <a:t> </a:t>
+            </a:r>
+            <a:r>
+              <a:rPr lang="en-US" dirty="0" smtClean="0">
+                <a:latin typeface="Segoe UI Light" panose="020B0502040204020203" pitchFamily="34" charset="0"/>
+                <a:cs typeface="Segoe UI Light" panose="020B0502040204020203" pitchFamily="34" charset="0"/>
+              </a:rPr>
+              <a:t>knows that </a:t>
             </a:r>
             <a:r>
               <a:rPr lang="en-US" dirty="0" err="1" smtClean="0">
@@ -9018,14 +9093,14 @@
                 <a:latin typeface="Segoe UI Light" panose="020B0502040204020203" pitchFamily="34" charset="0"/>
                 <a:cs typeface="Segoe UI Light" panose="020B0502040204020203" pitchFamily="34" charset="0"/>
               </a:rPr>
-              <a:t> to Text attribute in </a:t>
+              <a:t> should be bound to </a:t>
             </a:r>
             <a:r>
               <a:rPr lang="en-US" dirty="0" err="1" smtClean="0">
                 <a:latin typeface="Segoe UI Light" panose="020B0502040204020203" pitchFamily="34" charset="0"/>
                 <a:cs typeface="Segoe UI Light" panose="020B0502040204020203" pitchFamily="34" charset="0"/>
               </a:rPr>
-              <a:t>TextBlock</a:t>
+              <a:t>TextBlock.Text</a:t>
             </a:r>
             <a:r>
               <a:rPr lang="en-US" dirty="0" smtClean="0">
@@ -9034,6 +9109,10 @@
               </a:rPr>
               <a:t>?</a:t>
             </a:r>
+            <a:endParaRPr lang="en-US" dirty="0" smtClean="0">
+              <a:latin typeface="Segoe UI Light" panose="020B0502040204020203" pitchFamily="34" charset="0"/>
+              <a:cs typeface="Segoe UI Light" panose="020B0502040204020203" pitchFamily="34" charset="0"/>
+            </a:endParaRPr>
           </a:p>
           <a:p>
             <a:r>
@@ -9041,7 +9120,14 @@
                 <a:latin typeface="Segoe UI Light" panose="020B0502040204020203" pitchFamily="34" charset="0"/>
                 <a:cs typeface="Segoe UI Light" panose="020B0502040204020203" pitchFamily="34" charset="0"/>
               </a:rPr>
-              <a:t>If you don’t like the default conventions?</a:t>
+              <a:t>If </a:t>
+            </a:r>
+            <a:r>
+              <a:rPr lang="en-US" dirty="0" smtClean="0">
+                <a:latin typeface="Segoe UI Light" panose="020B0502040204020203" pitchFamily="34" charset="0"/>
+                <a:cs typeface="Segoe UI Light" panose="020B0502040204020203" pitchFamily="34" charset="0"/>
+              </a:rPr>
+              <a:t>you don’t like the default conventions?</a:t>
             </a:r>
           </a:p>
           <a:p>
@@ -10735,7 +10821,14 @@
                 <a:latin typeface="Segoe UI Light" panose="020B0502040204020203" pitchFamily="34" charset="0"/>
                 <a:cs typeface="Segoe UI Light" panose="020B0502040204020203" pitchFamily="34" charset="0"/>
               </a:rPr>
-              <a:t>: Get all possible full assembly names</a:t>
+              <a:t>: Get all possible </a:t>
+            </a:r>
+            <a:r>
+              <a:rPr lang="en-US" dirty="0" smtClean="0">
+                <a:latin typeface="Segoe UI Light" panose="020B0502040204020203" pitchFamily="34" charset="0"/>
+                <a:cs typeface="Segoe UI Light" panose="020B0502040204020203" pitchFamily="34" charset="0"/>
+              </a:rPr>
+              <a:t>names</a:t>
             </a:r>
             <a:endParaRPr lang="en-US" sz="1050" dirty="0">
               <a:latin typeface="Segoe UI Light" panose="020B0502040204020203" pitchFamily="34" charset="0"/>
@@ -14031,7 +14124,21 @@
                 <a:latin typeface="Segoe UI Light" panose="020B0502040204020203" pitchFamily="34" charset="0"/>
                 <a:cs typeface="Segoe UI Light" panose="020B0502040204020203" pitchFamily="34" charset="0"/>
               </a:rPr>
-              <a:t> and everyone for attending my talk!</a:t>
+              <a:t>, sponsors, </a:t>
+            </a:r>
+            <a:r>
+              <a:rPr lang="en-US" dirty="0" smtClean="0">
+                <a:latin typeface="Segoe UI Light" panose="020B0502040204020203" pitchFamily="34" charset="0"/>
+                <a:cs typeface="Segoe UI Light" panose="020B0502040204020203" pitchFamily="34" charset="0"/>
+              </a:rPr>
+              <a:t>and </a:t>
+            </a:r>
+            <a:r>
+              <a:rPr lang="en-US" dirty="0" smtClean="0">
+                <a:latin typeface="Segoe UI Light" panose="020B0502040204020203" pitchFamily="34" charset="0"/>
+                <a:cs typeface="Segoe UI Light" panose="020B0502040204020203" pitchFamily="34" charset="0"/>
+              </a:rPr>
+              <a:t>everyone for attending my talk!</a:t>
             </a:r>
           </a:p>
           <a:p>
@@ -14222,7 +14329,7 @@
         </p:nvSpPr>
         <p:spPr>
           <a:xfrm>
-            <a:off x="4410042" y="5083850"/>
+            <a:off x="2628196" y="5159325"/>
             <a:ext cx="3369833" cy="923330"/>
           </a:xfrm>
           <a:prstGeom prst="rect">
@@ -14250,6 +14357,468 @@
           </a:p>
         </p:txBody>
       </p:sp>
+      <p:sp>
+        <p:nvSpPr>
+          <p:cNvPr id="9" name="Rectangle 8"/>
+          <p:cNvSpPr/>
+          <p:nvPr/>
+        </p:nvSpPr>
+        <p:spPr>
+          <a:xfrm>
+            <a:off x="8241819" y="4512539"/>
+            <a:ext cx="3645382" cy="2062264"/>
+          </a:xfrm>
+          <a:prstGeom prst="rect">
+            <a:avLst/>
+          </a:prstGeom>
+          <a:gradFill>
+            <a:gsLst>
+              <a:gs pos="0">
+                <a:schemeClr val="bg2">
+                  <a:lumMod val="60000"/>
+                  <a:lumOff val="40000"/>
+                </a:schemeClr>
+              </a:gs>
+              <a:gs pos="22000">
+                <a:schemeClr val="bg2"/>
+              </a:gs>
+              <a:gs pos="100000">
+                <a:schemeClr val="bg2"/>
+              </a:gs>
+            </a:gsLst>
+            <a:lin ang="5400000" scaled="0"/>
+          </a:gradFill>
+          <a:ln>
+            <a:noFill/>
+          </a:ln>
+        </p:spPr>
+        <p:style>
+          <a:lnRef idx="0">
+            <a:schemeClr val="accent4"/>
+          </a:lnRef>
+          <a:fillRef idx="3">
+            <a:schemeClr val="accent4"/>
+          </a:fillRef>
+          <a:effectRef idx="3">
+            <a:schemeClr val="accent4"/>
+          </a:effectRef>
+          <a:fontRef idx="minor">
+            <a:schemeClr val="lt1"/>
+          </a:fontRef>
+        </p:style>
+        <p:txBody>
+          <a:bodyPr rtlCol="0" anchor="ctr"/>
+          <a:lstStyle/>
+          <a:p>
+            <a:pPr algn="ctr"/>
+            <a:endParaRPr lang="en-US" dirty="0">
+              <a:latin typeface="Segoe UI Light" panose="020B0502040204020203" pitchFamily="34" charset="0"/>
+              <a:cs typeface="Segoe UI Light" panose="020B0502040204020203" pitchFamily="34" charset="0"/>
+            </a:endParaRPr>
+          </a:p>
+        </p:txBody>
+      </p:sp>
+      <p:sp>
+        <p:nvSpPr>
+          <p:cNvPr id="10" name="Subtitle 2"/>
+          <p:cNvSpPr txBox="1">
+            <a:spLocks/>
+          </p:cNvSpPr>
+          <p:nvPr/>
+        </p:nvSpPr>
+        <p:spPr>
+          <a:xfrm>
+            <a:off x="8706331" y="5099883"/>
+            <a:ext cx="3047175" cy="1142254"/>
+          </a:xfrm>
+          <a:prstGeom prst="rect">
+            <a:avLst/>
+          </a:prstGeom>
+        </p:spPr>
+        <p:txBody>
+          <a:bodyPr vert="horz" lIns="91440" tIns="45720" rIns="91440" bIns="45720" rtlCol="0">
+            <a:noAutofit/>
+          </a:bodyPr>
+          <a:lstStyle>
+            <a:lvl1pPr marL="182880" indent="-182880" algn="l" defTabSz="914400" rtl="0" eaLnBrk="1" latinLnBrk="0" hangingPunct="1">
+              <a:lnSpc>
+                <a:spcPct val="90000"/>
+              </a:lnSpc>
+              <a:spcBef>
+                <a:spcPts val="1200"/>
+              </a:spcBef>
+              <a:spcAft>
+                <a:spcPts val="200"/>
+              </a:spcAft>
+              <a:buClr>
+                <a:schemeClr val="tx1"/>
+              </a:buClr>
+              <a:buFont typeface="Wingdings" pitchFamily="2" charset="2"/>
+              <a:buChar char=""/>
+              <a:defRPr sz="2200" kern="1200">
+                <a:solidFill>
+                  <a:schemeClr val="tx1"/>
+                </a:solidFill>
+                <a:latin typeface="+mn-lt"/>
+                <a:ea typeface="+mn-ea"/>
+                <a:cs typeface="+mn-cs"/>
+              </a:defRPr>
+            </a:lvl1pPr>
+            <a:lvl2pPr marL="411480" indent="-182880" algn="l" defTabSz="914400" rtl="0" eaLnBrk="1" latinLnBrk="0" hangingPunct="1">
+              <a:lnSpc>
+                <a:spcPct val="90000"/>
+              </a:lnSpc>
+              <a:spcBef>
+                <a:spcPts val="200"/>
+              </a:spcBef>
+              <a:spcAft>
+                <a:spcPts val="400"/>
+              </a:spcAft>
+              <a:buClr>
+                <a:schemeClr val="tx1"/>
+              </a:buClr>
+              <a:buFont typeface="Wingdings" pitchFamily="2" charset="2"/>
+              <a:buChar char=""/>
+              <a:defRPr sz="2000" kern="1200">
+                <a:solidFill>
+                  <a:schemeClr val="tx1"/>
+                </a:solidFill>
+                <a:latin typeface="+mn-lt"/>
+                <a:ea typeface="+mn-ea"/>
+                <a:cs typeface="+mn-cs"/>
+              </a:defRPr>
+            </a:lvl2pPr>
+            <a:lvl3pPr marL="640080" indent="-182880" algn="l" defTabSz="914400" rtl="0" eaLnBrk="1" latinLnBrk="0" hangingPunct="1">
+              <a:lnSpc>
+                <a:spcPct val="90000"/>
+              </a:lnSpc>
+              <a:spcBef>
+                <a:spcPts val="200"/>
+              </a:spcBef>
+              <a:spcAft>
+                <a:spcPts val="400"/>
+              </a:spcAft>
+              <a:buClr>
+                <a:schemeClr val="tx1"/>
+              </a:buClr>
+              <a:buFont typeface="Wingdings" pitchFamily="2" charset="2"/>
+              <a:buChar char=""/>
+              <a:defRPr sz="1800" kern="1200">
+                <a:solidFill>
+                  <a:schemeClr val="tx1"/>
+                </a:solidFill>
+                <a:latin typeface="+mn-lt"/>
+                <a:ea typeface="+mn-ea"/>
+                <a:cs typeface="+mn-cs"/>
+              </a:defRPr>
+            </a:lvl3pPr>
+            <a:lvl4pPr marL="868680" indent="-182880" algn="l" defTabSz="914400" rtl="0" eaLnBrk="1" latinLnBrk="0" hangingPunct="1">
+              <a:lnSpc>
+                <a:spcPct val="90000"/>
+              </a:lnSpc>
+              <a:spcBef>
+                <a:spcPts val="200"/>
+              </a:spcBef>
+              <a:spcAft>
+                <a:spcPts val="400"/>
+              </a:spcAft>
+              <a:buClr>
+                <a:schemeClr val="tx1"/>
+              </a:buClr>
+              <a:buFont typeface="Wingdings" pitchFamily="2" charset="2"/>
+              <a:buChar char=""/>
+              <a:defRPr sz="1600" kern="1200">
+                <a:solidFill>
+                  <a:schemeClr val="tx1"/>
+                </a:solidFill>
+                <a:latin typeface="+mn-lt"/>
+                <a:ea typeface="+mn-ea"/>
+                <a:cs typeface="+mn-cs"/>
+              </a:defRPr>
+            </a:lvl4pPr>
+            <a:lvl5pPr marL="1097280" indent="-182880" algn="l" defTabSz="914400" rtl="0" eaLnBrk="1" latinLnBrk="0" hangingPunct="1">
+              <a:lnSpc>
+                <a:spcPct val="90000"/>
+              </a:lnSpc>
+              <a:spcBef>
+                <a:spcPts val="200"/>
+              </a:spcBef>
+              <a:spcAft>
+                <a:spcPts val="400"/>
+              </a:spcAft>
+              <a:buClr>
+                <a:schemeClr val="tx1"/>
+              </a:buClr>
+              <a:buFont typeface="Wingdings" pitchFamily="2" charset="2"/>
+              <a:buChar char=""/>
+              <a:defRPr sz="1600" kern="1200">
+                <a:solidFill>
+                  <a:schemeClr val="tx1"/>
+                </a:solidFill>
+                <a:latin typeface="+mn-lt"/>
+                <a:ea typeface="+mn-ea"/>
+                <a:cs typeface="+mn-cs"/>
+              </a:defRPr>
+            </a:lvl5pPr>
+            <a:lvl6pPr marL="1284600" indent="-228600" algn="l" defTabSz="914400" rtl="0" eaLnBrk="1" latinLnBrk="0" hangingPunct="1">
+              <a:lnSpc>
+                <a:spcPct val="90000"/>
+              </a:lnSpc>
+              <a:spcBef>
+                <a:spcPts val="200"/>
+              </a:spcBef>
+              <a:spcAft>
+                <a:spcPts val="400"/>
+              </a:spcAft>
+              <a:buClr>
+                <a:schemeClr val="tx1"/>
+              </a:buClr>
+              <a:buFont typeface="Wingdings" pitchFamily="2" charset="2"/>
+              <a:buChar char=""/>
+              <a:defRPr sz="1600" kern="1200">
+                <a:solidFill>
+                  <a:schemeClr val="tx1"/>
+                </a:solidFill>
+                <a:latin typeface="+mn-lt"/>
+                <a:ea typeface="+mn-ea"/>
+                <a:cs typeface="+mn-cs"/>
+              </a:defRPr>
+            </a:lvl6pPr>
+            <a:lvl7pPr marL="1471800" indent="-228600" algn="l" defTabSz="914400" rtl="0" eaLnBrk="1" latinLnBrk="0" hangingPunct="1">
+              <a:lnSpc>
+                <a:spcPct val="90000"/>
+              </a:lnSpc>
+              <a:spcBef>
+                <a:spcPts val="200"/>
+              </a:spcBef>
+              <a:spcAft>
+                <a:spcPts val="400"/>
+              </a:spcAft>
+              <a:buClr>
+                <a:schemeClr val="tx1"/>
+              </a:buClr>
+              <a:buFont typeface="Wingdings" pitchFamily="2" charset="2"/>
+              <a:buChar char=""/>
+              <a:defRPr sz="1600" kern="1200">
+                <a:solidFill>
+                  <a:schemeClr val="tx1"/>
+                </a:solidFill>
+                <a:latin typeface="+mn-lt"/>
+                <a:ea typeface="+mn-ea"/>
+                <a:cs typeface="+mn-cs"/>
+              </a:defRPr>
+            </a:lvl7pPr>
+            <a:lvl8pPr marL="1629000" indent="-228600" algn="l" defTabSz="914400" rtl="0" eaLnBrk="1" latinLnBrk="0" hangingPunct="1">
+              <a:lnSpc>
+                <a:spcPct val="90000"/>
+              </a:lnSpc>
+              <a:spcBef>
+                <a:spcPts val="200"/>
+              </a:spcBef>
+              <a:spcAft>
+                <a:spcPts val="400"/>
+              </a:spcAft>
+              <a:buClr>
+                <a:schemeClr val="tx1"/>
+              </a:buClr>
+              <a:buFont typeface="Wingdings" pitchFamily="2" charset="2"/>
+              <a:buChar char=""/>
+              <a:defRPr sz="1600" kern="1200">
+                <a:solidFill>
+                  <a:schemeClr val="tx1"/>
+                </a:solidFill>
+                <a:latin typeface="+mn-lt"/>
+                <a:ea typeface="+mn-ea"/>
+                <a:cs typeface="+mn-cs"/>
+              </a:defRPr>
+            </a:lvl8pPr>
+            <a:lvl9pPr marL="1806200" indent="-228600" algn="l" defTabSz="914400" rtl="0" eaLnBrk="1" latinLnBrk="0" hangingPunct="1">
+              <a:lnSpc>
+                <a:spcPct val="90000"/>
+              </a:lnSpc>
+              <a:spcBef>
+                <a:spcPts val="200"/>
+              </a:spcBef>
+              <a:spcAft>
+                <a:spcPts val="400"/>
+              </a:spcAft>
+              <a:buClr>
+                <a:schemeClr val="tx1"/>
+              </a:buClr>
+              <a:buFont typeface="Wingdings" pitchFamily="2" charset="2"/>
+              <a:buChar char=""/>
+              <a:defRPr sz="1600" kern="1200">
+                <a:solidFill>
+                  <a:schemeClr val="tx1"/>
+                </a:solidFill>
+                <a:latin typeface="+mn-lt"/>
+                <a:ea typeface="+mn-ea"/>
+                <a:cs typeface="+mn-cs"/>
+              </a:defRPr>
+            </a:lvl9pPr>
+          </a:lstStyle>
+          <a:p>
+            <a:r>
+              <a:rPr lang="en-US" dirty="0" smtClean="0">
+                <a:latin typeface="Segoe UI Light" panose="020B0502040204020203" pitchFamily="34" charset="0"/>
+                <a:cs typeface="Segoe UI Light" panose="020B0502040204020203" pitchFamily="34" charset="0"/>
+              </a:rPr>
+              <a:t>@</a:t>
+            </a:r>
+            <a:r>
+              <a:rPr lang="en-US" dirty="0" err="1" smtClean="0">
+                <a:latin typeface="Segoe UI Light" panose="020B0502040204020203" pitchFamily="34" charset="0"/>
+                <a:cs typeface="Segoe UI Light" panose="020B0502040204020203" pitchFamily="34" charset="0"/>
+              </a:rPr>
+              <a:t>kimsk</a:t>
+            </a:r>
+            <a:endParaRPr lang="en-US" dirty="0" smtClean="0">
+              <a:latin typeface="Segoe UI Light" panose="020B0502040204020203" pitchFamily="34" charset="0"/>
+              <a:cs typeface="Segoe UI Light" panose="020B0502040204020203" pitchFamily="34" charset="0"/>
+            </a:endParaRPr>
+          </a:p>
+          <a:p>
+            <a:r>
+              <a:rPr lang="en-US" dirty="0" smtClean="0">
+                <a:solidFill>
+                  <a:schemeClr val="bg1"/>
+                </a:solidFill>
+                <a:latin typeface="Segoe UI Light" panose="020B0502040204020203" pitchFamily="34" charset="0"/>
+                <a:cs typeface="Segoe UI Light" panose="020B0502040204020203" pitchFamily="34" charset="0"/>
+                <a:hlinkClick r:id="rId7"/>
+              </a:rPr>
+              <a:t>http://karlk.im</a:t>
+            </a:r>
+            <a:endParaRPr lang="en-US" dirty="0" smtClean="0">
+              <a:solidFill>
+                <a:schemeClr val="bg1"/>
+              </a:solidFill>
+              <a:latin typeface="Segoe UI Light" panose="020B0502040204020203" pitchFamily="34" charset="0"/>
+              <a:cs typeface="Segoe UI Light" panose="020B0502040204020203" pitchFamily="34" charset="0"/>
+            </a:endParaRPr>
+          </a:p>
+          <a:p>
+            <a:r>
+              <a:rPr lang="en-US" dirty="0" smtClean="0">
+                <a:latin typeface="Segoe UI Light" panose="020B0502040204020203" pitchFamily="34" charset="0"/>
+                <a:cs typeface="Segoe UI Light" panose="020B0502040204020203" pitchFamily="34" charset="0"/>
+              </a:rPr>
+              <a:t>karlkim@outlook.com</a:t>
+            </a:r>
+            <a:endParaRPr lang="en-US" dirty="0">
+              <a:latin typeface="Segoe UI Light" panose="020B0502040204020203" pitchFamily="34" charset="0"/>
+              <a:cs typeface="Segoe UI Light" panose="020B0502040204020203" pitchFamily="34" charset="0"/>
+            </a:endParaRPr>
+          </a:p>
+        </p:txBody>
+      </p:sp>
+      <p:sp>
+        <p:nvSpPr>
+          <p:cNvPr id="11" name="TextBox 10"/>
+          <p:cNvSpPr txBox="1"/>
+          <p:nvPr/>
+        </p:nvSpPr>
+        <p:spPr>
+          <a:xfrm>
+            <a:off x="8388942" y="4587494"/>
+            <a:ext cx="3217441" cy="830997"/>
+          </a:xfrm>
+          <a:prstGeom prst="rect">
+            <a:avLst/>
+          </a:prstGeom>
+          <a:noFill/>
+        </p:spPr>
+        <p:txBody>
+          <a:bodyPr wrap="square" rtlCol="0">
+            <a:spAutoFit/>
+          </a:bodyPr>
+          <a:lstStyle/>
+          <a:p>
+            <a:r>
+              <a:rPr lang="en-US" sz="2400" b="1" dirty="0">
+                <a:latin typeface="Segoe UI Light" panose="020B0502040204020203" pitchFamily="34" charset="0"/>
+                <a:cs typeface="Segoe UI Light" panose="020B0502040204020203" pitchFamily="34" charset="0"/>
+              </a:rPr>
+              <a:t>Karlkim Suwanmongkol</a:t>
+            </a:r>
+          </a:p>
+          <a:p>
+            <a:endParaRPr lang="en-US" sz="2400" dirty="0"/>
+          </a:p>
+        </p:txBody>
+      </p:sp>
+      <p:pic>
+        <p:nvPicPr>
+          <p:cNvPr id="12" name="Picture 11"/>
+          <p:cNvPicPr>
+            <a:picLocks noChangeAspect="1"/>
+          </p:cNvPicPr>
+          <p:nvPr/>
+        </p:nvPicPr>
+        <p:blipFill>
+          <a:blip r:embed="rId8"/>
+          <a:stretch>
+            <a:fillRect/>
+          </a:stretch>
+        </p:blipFill>
+        <p:spPr>
+          <a:xfrm flipH="1">
+            <a:off x="8408364" y="5646748"/>
+            <a:ext cx="307040" cy="274143"/>
+          </a:xfrm>
+          <a:prstGeom prst="rect">
+            <a:avLst/>
+          </a:prstGeom>
+        </p:spPr>
+      </p:pic>
+      <p:pic>
+        <p:nvPicPr>
+          <p:cNvPr id="13" name="Picture 12"/>
+          <p:cNvPicPr>
+            <a:picLocks noChangeAspect="1"/>
+          </p:cNvPicPr>
+          <p:nvPr/>
+        </p:nvPicPr>
+        <p:blipFill>
+          <a:blip r:embed="rId9"/>
+          <a:stretch>
+            <a:fillRect/>
+          </a:stretch>
+        </p:blipFill>
+        <p:spPr>
+          <a:xfrm>
+            <a:off x="8388942" y="5121933"/>
+            <a:ext cx="354267" cy="340641"/>
+          </a:xfrm>
+          <a:prstGeom prst="rect">
+            <a:avLst/>
+          </a:prstGeom>
+        </p:spPr>
+      </p:pic>
+      <p:pic>
+        <p:nvPicPr>
+          <p:cNvPr id="14" name="Picture 13"/>
+          <p:cNvPicPr>
+            <a:picLocks noChangeAspect="1"/>
+          </p:cNvPicPr>
+          <p:nvPr/>
+        </p:nvPicPr>
+        <p:blipFill>
+          <a:blip r:embed="rId10"/>
+          <a:stretch>
+            <a:fillRect/>
+          </a:stretch>
+        </p:blipFill>
+        <p:spPr>
+          <a:xfrm>
+            <a:off x="8417436" y="6068923"/>
+            <a:ext cx="303558" cy="317356"/>
+          </a:xfrm>
+          <a:prstGeom prst="rect">
+            <a:avLst/>
+          </a:prstGeom>
+        </p:spPr>
+      </p:pic>
     </p:spTree>
     <p:extLst>
       <p:ext uri="{BB962C8B-B14F-4D97-AF65-F5344CB8AC3E}">
@@ -14519,114 +15088,6 @@
           <a:chExt cx="0" cy="0"/>
         </a:xfrm>
       </p:grpSpPr>
-      <p:sp>
-        <p:nvSpPr>
-          <p:cNvPr id="2" name="Title 1"/>
-          <p:cNvSpPr>
-            <a:spLocks noGrp="1"/>
-          </p:cNvSpPr>
-          <p:nvPr>
-            <p:ph type="title"/>
-          </p:nvPr>
-        </p:nvSpPr>
-        <p:spPr/>
-        <p:txBody>
-          <a:bodyPr/>
-          <a:lstStyle/>
-          <a:p>
-            <a:r>
-              <a:rPr lang="en-US" cap="none" dirty="0" smtClean="0">
-                <a:latin typeface="Segoe UI Light" panose="020B0502040204020203" pitchFamily="34" charset="0"/>
-                <a:cs typeface="Segoe UI Light" panose="020B0502040204020203" pitchFamily="34" charset="0"/>
-              </a:rPr>
-              <a:t>Windows Runtime</a:t>
-            </a:r>
-            <a:endParaRPr lang="en-US" cap="none" dirty="0">
-              <a:latin typeface="Segoe UI Light" panose="020B0502040204020203" pitchFamily="34" charset="0"/>
-              <a:cs typeface="Segoe UI Light" panose="020B0502040204020203" pitchFamily="34" charset="0"/>
-            </a:endParaRPr>
-          </a:p>
-        </p:txBody>
-      </p:sp>
-      <p:pic>
-        <p:nvPicPr>
-          <p:cNvPr id="4" name="Picture 3"/>
-          <p:cNvPicPr>
-            <a:picLocks noChangeAspect="1"/>
-          </p:cNvPicPr>
-          <p:nvPr/>
-        </p:nvPicPr>
-        <p:blipFill>
-          <a:blip r:embed="rId3">
-            <a:extLst>
-              <a:ext uri="{28A0092B-C50C-407E-A947-70E740481C1C}">
-                <a14:useLocalDpi xmlns:a14="http://schemas.microsoft.com/office/drawing/2010/main" val="0"/>
-              </a:ext>
-            </a:extLst>
-          </a:blip>
-          <a:stretch>
-            <a:fillRect/>
-          </a:stretch>
-        </p:blipFill>
-        <p:spPr>
-          <a:xfrm>
-            <a:off x="3701330" y="2280866"/>
-            <a:ext cx="5247436" cy="2951683"/>
-          </a:xfrm>
-          <a:prstGeom prst="rect">
-            <a:avLst/>
-          </a:prstGeom>
-        </p:spPr>
-      </p:pic>
-      <p:sp>
-        <p:nvSpPr>
-          <p:cNvPr id="5" name="TextBox 4"/>
-          <p:cNvSpPr txBox="1"/>
-          <p:nvPr/>
-        </p:nvSpPr>
-        <p:spPr>
-          <a:xfrm>
-            <a:off x="4077083" y="5330339"/>
-            <a:ext cx="4475712" cy="1077218"/>
-          </a:xfrm>
-          <a:prstGeom prst="rect">
-            <a:avLst/>
-          </a:prstGeom>
-          <a:noFill/>
-        </p:spPr>
-        <p:txBody>
-          <a:bodyPr wrap="none" rtlCol="0">
-            <a:spAutoFit/>
-          </a:bodyPr>
-          <a:lstStyle/>
-          <a:p>
-            <a:r>
-              <a:rPr lang="en-US" sz="3200" dirty="0">
-                <a:latin typeface="Segoe UI Light" panose="020B0502040204020203" pitchFamily="34" charset="0"/>
-                <a:cs typeface="Segoe UI Light" panose="020B0502040204020203" pitchFamily="34" charset="0"/>
-              </a:rPr>
-              <a:t>"our strategy has </a:t>
-            </a:r>
-            <a:r>
-              <a:rPr lang="en-US" sz="3200" dirty="0" smtClean="0">
-                <a:latin typeface="Segoe UI Light" panose="020B0502040204020203" pitchFamily="34" charset="0"/>
-                <a:cs typeface="Segoe UI Light" panose="020B0502040204020203" pitchFamily="34" charset="0"/>
-              </a:rPr>
-              <a:t>shifted.“</a:t>
-            </a:r>
-          </a:p>
-          <a:p>
-            <a:pPr algn="r"/>
-            <a:r>
-              <a:rPr lang="en-US" sz="3200" dirty="0">
-                <a:latin typeface="Segoe UI Light" panose="020B0502040204020203" pitchFamily="34" charset="0"/>
-                <a:cs typeface="Segoe UI Light" panose="020B0502040204020203" pitchFamily="34" charset="0"/>
-              </a:rPr>
-              <a:t>Bob Muglia </a:t>
-            </a:r>
-          </a:p>
-        </p:txBody>
-      </p:sp>
       <p:grpSp>
         <p:nvGrpSpPr>
           <p:cNvPr id="6" name="Group 5"/>
@@ -16591,6 +17052,232 @@
           </p:txBody>
         </p:sp>
       </p:grpSp>
+      <p:sp>
+        <p:nvSpPr>
+          <p:cNvPr id="2" name="Title 1"/>
+          <p:cNvSpPr>
+            <a:spLocks noGrp="1"/>
+          </p:cNvSpPr>
+          <p:nvPr>
+            <p:ph type="title"/>
+          </p:nvPr>
+        </p:nvSpPr>
+        <p:spPr/>
+        <p:txBody>
+          <a:bodyPr/>
+          <a:lstStyle/>
+          <a:p>
+            <a:r>
+              <a:rPr lang="en-US" cap="none" dirty="0" smtClean="0">
+                <a:latin typeface="Segoe UI Light" panose="020B0502040204020203" pitchFamily="34" charset="0"/>
+                <a:cs typeface="Segoe UI Light" panose="020B0502040204020203" pitchFamily="34" charset="0"/>
+              </a:rPr>
+              <a:t>Windows Runtime</a:t>
+            </a:r>
+            <a:endParaRPr lang="en-US" cap="none" dirty="0">
+              <a:latin typeface="Segoe UI Light" panose="020B0502040204020203" pitchFamily="34" charset="0"/>
+              <a:cs typeface="Segoe UI Light" panose="020B0502040204020203" pitchFamily="34" charset="0"/>
+            </a:endParaRPr>
+          </a:p>
+        </p:txBody>
+      </p:sp>
+      <p:pic>
+        <p:nvPicPr>
+          <p:cNvPr id="4" name="Picture 3"/>
+          <p:cNvPicPr>
+            <a:picLocks noChangeAspect="1"/>
+          </p:cNvPicPr>
+          <p:nvPr/>
+        </p:nvPicPr>
+        <p:blipFill>
+          <a:blip r:embed="rId3">
+            <a:extLst>
+              <a:ext uri="{28A0092B-C50C-407E-A947-70E740481C1C}">
+                <a14:useLocalDpi xmlns:a14="http://schemas.microsoft.com/office/drawing/2010/main" val="0"/>
+              </a:ext>
+            </a:extLst>
+          </a:blip>
+          <a:stretch>
+            <a:fillRect/>
+          </a:stretch>
+        </p:blipFill>
+        <p:spPr>
+          <a:xfrm>
+            <a:off x="5955666" y="2133401"/>
+            <a:ext cx="5247436" cy="2951683"/>
+          </a:xfrm>
+          <a:prstGeom prst="rect">
+            <a:avLst/>
+          </a:prstGeom>
+          <a:ln>
+            <a:noFill/>
+          </a:ln>
+          <a:effectLst>
+            <a:outerShdw blurRad="292100" dist="139700" dir="2700000" algn="tl" rotWithShape="0">
+              <a:srgbClr val="333333">
+                <a:alpha val="65000"/>
+              </a:srgbClr>
+            </a:outerShdw>
+          </a:effectLst>
+        </p:spPr>
+      </p:pic>
+      <p:sp>
+        <p:nvSpPr>
+          <p:cNvPr id="5" name="TextBox 4"/>
+          <p:cNvSpPr txBox="1"/>
+          <p:nvPr/>
+        </p:nvSpPr>
+        <p:spPr>
+          <a:xfrm>
+            <a:off x="978574" y="2856365"/>
+            <a:ext cx="4519186" cy="954107"/>
+          </a:xfrm>
+          <a:prstGeom prst="rect">
+            <a:avLst/>
+          </a:prstGeom>
+          <a:noFill/>
+        </p:spPr>
+        <p:txBody>
+          <a:bodyPr wrap="none" rtlCol="0">
+            <a:spAutoFit/>
+          </a:bodyPr>
+          <a:lstStyle/>
+          <a:p>
+            <a:r>
+              <a:rPr lang="en-US" sz="2400" dirty="0" smtClean="0">
+                <a:latin typeface="Segoe UI Light" panose="020B0502040204020203" pitchFamily="34" charset="0"/>
+                <a:cs typeface="Segoe UI Light" panose="020B0502040204020203" pitchFamily="34" charset="0"/>
+              </a:rPr>
+              <a:t>“Our </a:t>
+            </a:r>
+            <a:r>
+              <a:rPr lang="en-US" sz="2400" dirty="0">
+                <a:latin typeface="Segoe UI Light" panose="020B0502040204020203" pitchFamily="34" charset="0"/>
+                <a:cs typeface="Segoe UI Light" panose="020B0502040204020203" pitchFamily="34" charset="0"/>
+              </a:rPr>
+              <a:t>strategy has </a:t>
+            </a:r>
+            <a:r>
+              <a:rPr lang="en-US" sz="2400" dirty="0" smtClean="0">
+                <a:latin typeface="Segoe UI Light" panose="020B0502040204020203" pitchFamily="34" charset="0"/>
+                <a:cs typeface="Segoe UI Light" panose="020B0502040204020203" pitchFamily="34" charset="0"/>
+              </a:rPr>
+              <a:t>shifted.“</a:t>
+            </a:r>
+          </a:p>
+          <a:p>
+            <a:pPr algn="r"/>
+            <a:r>
+              <a:rPr lang="en-US" sz="2000" dirty="0">
+                <a:latin typeface="Segoe UI Light" panose="020B0502040204020203" pitchFamily="34" charset="0"/>
+                <a:cs typeface="Segoe UI Light" panose="020B0502040204020203" pitchFamily="34" charset="0"/>
+              </a:rPr>
+              <a:t>Bob Muglia</a:t>
+            </a:r>
+            <a:r>
+              <a:rPr lang="en-US" sz="3200" dirty="0">
+                <a:latin typeface="Segoe UI Light" panose="020B0502040204020203" pitchFamily="34" charset="0"/>
+                <a:cs typeface="Segoe UI Light" panose="020B0502040204020203" pitchFamily="34" charset="0"/>
+              </a:rPr>
+              <a:t> </a:t>
+            </a:r>
+          </a:p>
+        </p:txBody>
+      </p:sp>
+      <p:pic>
+        <p:nvPicPr>
+          <p:cNvPr id="3" name="Picture 2"/>
+          <p:cNvPicPr>
+            <a:picLocks noChangeAspect="1"/>
+          </p:cNvPicPr>
+          <p:nvPr/>
+        </p:nvPicPr>
+        <p:blipFill>
+          <a:blip r:embed="rId4"/>
+          <a:stretch>
+            <a:fillRect/>
+          </a:stretch>
+        </p:blipFill>
+        <p:spPr>
+          <a:xfrm>
+            <a:off x="6130910" y="5331340"/>
+            <a:ext cx="4972050" cy="942975"/>
+          </a:xfrm>
+          <a:prstGeom prst="rect">
+            <a:avLst/>
+          </a:prstGeom>
+          <a:ln>
+            <a:noFill/>
+          </a:ln>
+          <a:effectLst>
+            <a:outerShdw blurRad="292100" dist="139700" dir="2700000" algn="tl" rotWithShape="0">
+              <a:srgbClr val="333333">
+                <a:alpha val="65000"/>
+              </a:srgbClr>
+            </a:outerShdw>
+          </a:effectLst>
+        </p:spPr>
+      </p:pic>
+      <p:sp>
+        <p:nvSpPr>
+          <p:cNvPr id="7" name="TextBox 6"/>
+          <p:cNvSpPr txBox="1"/>
+          <p:nvPr/>
+        </p:nvSpPr>
+        <p:spPr>
+          <a:xfrm>
+            <a:off x="1048041" y="4745543"/>
+            <a:ext cx="4101854" cy="1138773"/>
+          </a:xfrm>
+          <a:prstGeom prst="rect">
+            <a:avLst/>
+          </a:prstGeom>
+          <a:noFill/>
+        </p:spPr>
+        <p:txBody>
+          <a:bodyPr wrap="square" rtlCol="0">
+            <a:spAutoFit/>
+          </a:bodyPr>
+          <a:lstStyle>
+            <a:defPPr>
+              <a:defRPr lang="en-US"/>
+            </a:defPPr>
+            <a:lvl1pPr>
+              <a:defRPr sz="3200">
+                <a:latin typeface="Segoe UI Light" panose="020B0502040204020203" pitchFamily="34" charset="0"/>
+                <a:cs typeface="Segoe UI Light" panose="020B0502040204020203" pitchFamily="34" charset="0"/>
+              </a:defRPr>
+            </a:lvl1pPr>
+          </a:lstStyle>
+          <a:p>
+            <a:r>
+              <a:rPr lang="en-US" sz="2400" dirty="0" smtClean="0"/>
+              <a:t>“Silverlight </a:t>
+            </a:r>
+            <a:r>
+              <a:rPr lang="en-US" sz="2400" dirty="0"/>
+              <a:t>is dead, Long live Silverlight</a:t>
+            </a:r>
+            <a:r>
+              <a:rPr lang="en-US" sz="2400" dirty="0" smtClean="0"/>
+              <a:t>!”</a:t>
+            </a:r>
+            <a:endParaRPr lang="en-US" sz="2400" dirty="0"/>
+          </a:p>
+          <a:p>
+            <a:pPr algn="r"/>
+            <a:r>
+              <a:rPr lang="en-US" sz="2000" dirty="0"/>
+              <a:t>Tim </a:t>
+            </a:r>
+            <a:r>
+              <a:rPr lang="en-US" sz="2000" dirty="0" err="1"/>
+              <a:t>Heuer</a:t>
+            </a:r>
+            <a:endParaRPr lang="en-US" sz="2000" dirty="0"/>
+          </a:p>
+        </p:txBody>
+      </p:sp>
     </p:spTree>
     <p:extLst>
       <p:ext uri="{BB962C8B-B14F-4D97-AF65-F5344CB8AC3E}">
@@ -16691,24 +17378,94 @@
                                   </p:childTnLst>
                                 </p:cTn>
                               </p:par>
+                              <p:par>
+                                <p:cTn id="11" presetID="14" presetClass="exit" presetSubtype="10" fill="hold" grpId="0" nodeType="withEffect">
+                                  <p:stCondLst>
+                                    <p:cond delay="0"/>
+                                  </p:stCondLst>
+                                  <p:childTnLst>
+                                    <p:animEffect transition="out" filter="randombar(horizontal)">
+                                      <p:cBhvr>
+                                        <p:cTn id="12" dur="500"/>
+                                        <p:tgtEl>
+                                          <p:spTgt spid="7"/>
+                                        </p:tgtEl>
+                                      </p:cBhvr>
+                                    </p:animEffect>
+                                    <p:set>
+                                      <p:cBhvr>
+                                        <p:cTn id="13" dur="1" fill="hold">
+                                          <p:stCondLst>
+                                            <p:cond delay="499"/>
+                                          </p:stCondLst>
+                                        </p:cTn>
+                                        <p:tgtEl>
+                                          <p:spTgt spid="7"/>
+                                        </p:tgtEl>
+                                        <p:attrNameLst>
+                                          <p:attrName>style.visibility</p:attrName>
+                                        </p:attrNameLst>
+                                      </p:cBhvr>
+                                      <p:to>
+                                        <p:strVal val="hidden"/>
+                                      </p:to>
+                                    </p:set>
+                                  </p:childTnLst>
+                                </p:cTn>
+                              </p:par>
+                              <p:par>
+                                <p:cTn id="14" presetID="14" presetClass="exit" presetSubtype="10" fill="hold" nodeType="withEffect">
+                                  <p:stCondLst>
+                                    <p:cond delay="0"/>
+                                  </p:stCondLst>
+                                  <p:childTnLst>
+                                    <p:animEffect transition="out" filter="randombar(horizontal)">
+                                      <p:cBhvr>
+                                        <p:cTn id="15" dur="500"/>
+                                        <p:tgtEl>
+                                          <p:spTgt spid="3"/>
+                                        </p:tgtEl>
+                                      </p:cBhvr>
+                                    </p:animEffect>
+                                    <p:set>
+                                      <p:cBhvr>
+                                        <p:cTn id="16" dur="1" fill="hold">
+                                          <p:stCondLst>
+                                            <p:cond delay="499"/>
+                                          </p:stCondLst>
+                                        </p:cTn>
+                                        <p:tgtEl>
+                                          <p:spTgt spid="3"/>
+                                        </p:tgtEl>
+                                        <p:attrNameLst>
+                                          <p:attrName>style.visibility</p:attrName>
+                                        </p:attrNameLst>
+                                      </p:cBhvr>
+                                      <p:to>
+                                        <p:strVal val="hidden"/>
+                                      </p:to>
+                                    </p:set>
+                                  </p:childTnLst>
+                                </p:cTn>
+                              </p:par>
                             </p:childTnLst>
                           </p:cTn>
                         </p:par>
                         <p:par>
-                          <p:cTn id="11" fill="hold">
+                          <p:cTn id="17" fill="hold">
                             <p:stCondLst>
                               <p:cond delay="500"/>
                             </p:stCondLst>
                             <p:childTnLst>
                               <p:par>
-                                <p:cTn id="12" presetID="14" presetClass="entr" presetSubtype="10" fill="hold" nodeType="afterEffect">
+                                <p:cTn id="18" presetID="14" presetClass="entr" presetSubtype="10" fill="hold" nodeType="afterEffect">
                                   <p:stCondLst>
                                     <p:cond delay="0"/>
                                   </p:stCondLst>
                                   <p:childTnLst>
                                     <p:set>
                                       <p:cBhvr>
-                                        <p:cTn id="13" dur="1" fill="hold">
+                                        <p:cTn id="19" dur="1" fill="hold">
                                           <p:stCondLst>
                                             <p:cond delay="0"/>
                                           </p:stCondLst>
@@ -16726,7 +17483,7 @@
                                     </p:set>
                                     <p:animEffect transition="in" filter="randombar(horizontal)">
                                       <p:cBhvr>
-                                        <p:cTn id="14" dur="500"/>
+                                        <p:cTn id="20" dur="500"/>
                                         <p:tgtEl>
                                           <p:spTgt spid="6"/>
                                         </p:tgtEl>
@@ -16764,6 +17521,7 @@
     </p:tnLst>
     <p:bldLst>
       <p:bldP spid="5" grpId="0"/>
+      <p:bldP spid="7" grpId="0"/>
     </p:bldLst>
   </p:timing>
 </p:sld>
@@ -16844,8 +17602,8 @@
         </p:blipFill>
         <p:spPr>
           <a:xfrm>
-            <a:off x="1202919" y="1617210"/>
-            <a:ext cx="9966740" cy="4684315"/>
+            <a:off x="1202918" y="1617210"/>
+            <a:ext cx="9682041" cy="4550508"/>
           </a:xfrm>
           <a:prstGeom prst="rect">
             <a:avLst/>
@@ -16862,6 +17620,52 @@
           </a:effectLst>
         </p:spPr>
       </p:pic>
+      <p:sp>
+        <p:nvSpPr>
+          <p:cNvPr id="3" name="TextBox 2"/>
+          <p:cNvSpPr txBox="1"/>
+          <p:nvPr/>
+        </p:nvSpPr>
+        <p:spPr>
+          <a:xfrm>
+            <a:off x="7602070" y="5844552"/>
+            <a:ext cx="3913379" cy="646331"/>
+          </a:xfrm>
+          <a:prstGeom prst="rect">
+            <a:avLst/>
+          </a:prstGeom>
+          <a:noFill/>
+        </p:spPr>
+        <p:txBody>
+          <a:bodyPr wrap="none" rtlCol="0">
+            <a:spAutoFit/>
+          </a:bodyPr>
+          <a:lstStyle/>
+          <a:p>
+            <a:r>
+              <a:rPr lang="en-US" dirty="0" smtClean="0">
+                <a:latin typeface="Segoe UI Light" panose="020B0502040204020203" pitchFamily="34" charset="0"/>
+                <a:cs typeface="Segoe UI Light" panose="020B0502040204020203" pitchFamily="34" charset="0"/>
+              </a:rPr>
+              <a:t>“Is COM dead? It’s not dead. It’s done.”</a:t>
+            </a:r>
+          </a:p>
+          <a:p>
+            <a:pPr algn="r"/>
+            <a:r>
+              <a:rPr lang="en-US" dirty="0" smtClean="0">
+                <a:latin typeface="Segoe UI Light" panose="020B0502040204020203" pitchFamily="34" charset="0"/>
+                <a:cs typeface="Segoe UI Light" panose="020B0502040204020203" pitchFamily="34" charset="0"/>
+              </a:rPr>
+              <a:t>Don Box</a:t>
+            </a:r>
+            <a:endParaRPr lang="en-US" dirty="0">
+              <a:latin typeface="Segoe UI Light" panose="020B0502040204020203" pitchFamily="34" charset="0"/>
+              <a:cs typeface="Segoe UI Light" panose="020B0502040204020203" pitchFamily="34" charset="0"/>
+            </a:endParaRPr>
+          </a:p>
+        </p:txBody>
+      </p:sp>
     </p:spTree>
     <p:extLst>
       <p:ext uri="{BB962C8B-B14F-4D97-AF65-F5344CB8AC3E}">
@@ -16875,9 +17679,88 @@
   <p:timing>
     <p:tnLst>
       <p:par>
-        <p:cTn id="1" dur="indefinite" restart="never" nodeType="tmRoot"/>
+        <p:cTn id="1" dur="indefinite" restart="never" nodeType="tmRoot">
+          <p:childTnLst>
+            <p:seq concurrent="1" nextAc="seek">
+              <p:cTn id="2" dur="indefinite" nodeType="mainSeq">
+                <p:childTnLst>
+                  <p:par>
+                    <p:cTn id="3" fill="hold">
+                      <p:stCondLst>
+                        <p:cond delay="indefinite"/>
+                      </p:stCondLst>
+                      <p:childTnLst>
+                        <p:par>
+                          <p:cTn id="4" fill="hold">
+                            <p:stCondLst>
+                              <p:cond delay="0"/>
+                            </p:stCondLst>
+                            <p:childTnLst>
+                              <p:par>
+                                <p:cTn id="5" presetID="14" presetClass="entr" presetSubtype="10" fill="hold" grpId="0" nodeType="clickEffect">
+                                  <p:stCondLst>
+                                    <p:cond delay="0"/>
+                                  </p:stCondLst>
+                                  <p:childTnLst>
+                                    <p:set>
+                                      <p:cBhvr>
+                                        <p:cTn id="6" dur="1" fill="hold">
+                                          <p:stCondLst>
+                                            <p:cond delay="0"/>
+                                          </p:stCondLst>
+                                        </p:cTn>
+                                        <p:tgtEl>
+                                          <p:spTgt spid="3"/>
+                                        </p:tgtEl>
+                                        <p:attrNameLst>
+                                          <p:attrName>style.visibility</p:attrName>
+                                        </p:attrNameLst>
+                                      </p:cBhvr>
+                                      <p:to>
+                                        <p:strVal val="visible"/>
+                                      </p:to>
+                                    </p:set>
+                                    <p:animEffect transition="in" filter="randombar(horizontal)">
+                                      <p:cBhvr>
+                                        <p:cTn id="7" dur="500"/>
+                                        <p:tgtEl>
+                                          <p:spTgt spid="3"/>
+                                        </p:tgtEl>
+                                      </p:cBhvr>
+                                    </p:animEffect>
+                                  </p:childTnLst>
+                                </p:cTn>
+                              </p:par>
+                            </p:childTnLst>
+                          </p:cTn>
+                        </p:par>
+                      </p:childTnLst>
+                    </p:cTn>
+                  </p:par>
+                </p:childTnLst>
+              </p:cTn>
+              <p:prevCondLst>
+                <p:cond evt="onPrev" delay="0">
+                  <p:tgtEl>
+                    <p:sldTgt/>
+                  </p:tgtEl>
+                </p:cond>
+              </p:prevCondLst>
+              <p:nextCondLst>
+                <p:cond evt="onNext" delay="0">
+                  <p:tgtEl>
+                    <p:sldTgt/>
+                  </p:tgtEl>
+                </p:cond>
+              </p:nextCondLst>
+            </p:seq>
+          </p:childTnLst>
+        </p:cTn>
       </p:par>
     </p:tnLst>
+    <p:bldLst>
+      <p:bldP spid="3" grpId="0"/>
+    </p:bldLst>
   </p:timing>
 </p:sld>
 </file>
@@ -18429,7 +19312,12 @@
             <p:ph sz="half" idx="1"/>
           </p:nvPr>
         </p:nvSpPr>
-        <p:spPr/>
+        <p:spPr>
+          <a:xfrm>
+            <a:off x="1026054" y="2011680"/>
+            <a:ext cx="4754880" cy="4206240"/>
+          </a:xfrm>
+        </p:spPr>
         <p:txBody>
           <a:bodyPr/>
           <a:lstStyle/>
@@ -18490,8 +19378,19 @@
                 <a:latin typeface="Segoe UI Light" panose="020B0502040204020203" pitchFamily="34" charset="0"/>
                 <a:cs typeface="Segoe UI Light" panose="020B0502040204020203" pitchFamily="34" charset="0"/>
               </a:rPr>
-              <a:t>Dependency Injection container</a:t>
-            </a:r>
+              <a:t>Dependency Injection </a:t>
+            </a:r>
+            <a:r>
+              <a:rPr lang="en-US" dirty="0" smtClean="0">
+                <a:latin typeface="Segoe UI Light" panose="020B0502040204020203" pitchFamily="34" charset="0"/>
+                <a:cs typeface="Segoe UI Light" panose="020B0502040204020203" pitchFamily="34" charset="0"/>
+              </a:rPr>
+              <a:t>container</a:t>
+            </a:r>
+            <a:endParaRPr lang="en-US" dirty="0" smtClean="0">
+              <a:latin typeface="Segoe UI Light" panose="020B0502040204020203" pitchFamily="34" charset="0"/>
+              <a:cs typeface="Segoe UI Light" panose="020B0502040204020203" pitchFamily="34" charset="0"/>
+            </a:endParaRPr>
           </a:p>
           <a:p>
             <a:pPr lvl="1"/>
@@ -18600,7 +19499,7 @@
         </p:nvGrpSpPr>
         <p:grpSpPr>
           <a:xfrm>
-            <a:off x="1214111" y="2139745"/>
+            <a:off x="1321685" y="2121816"/>
             <a:ext cx="3343423" cy="4459988"/>
             <a:chOff x="4945161" y="1972203"/>
             <a:chExt cx="3343423" cy="4459988"/>
@@ -22125,7 +23024,7 @@
         </p:blipFill>
         <p:spPr>
           <a:xfrm>
-            <a:off x="7136105" y="2472948"/>
+            <a:off x="6903028" y="2508806"/>
             <a:ext cx="4490568" cy="3592454"/>
           </a:xfrm>
           <a:prstGeom prst="rect">
@@ -23156,7 +24055,14 @@
                 <a:latin typeface="Segoe UI Light" panose="020B0502040204020203" pitchFamily="34" charset="0"/>
                 <a:cs typeface="Segoe UI Light" panose="020B0502040204020203" pitchFamily="34" charset="0"/>
               </a:rPr>
-              <a:t>Support WPF, Silverlight, Windows Phone, and </a:t>
+              <a:t>Supports </a:t>
+            </a:r>
+            <a:r>
+              <a:rPr lang="en-US" dirty="0" smtClean="0">
+                <a:latin typeface="Segoe UI Light" panose="020B0502040204020203" pitchFamily="34" charset="0"/>
+                <a:cs typeface="Segoe UI Light" panose="020B0502040204020203" pitchFamily="34" charset="0"/>
+              </a:rPr>
+              <a:t>WPF, Silverlight, Windows Phone, and </a:t>
             </a:r>
             <a:r>
               <a:rPr lang="en-US" dirty="0" err="1" smtClean="0">

--- a/WinRT and Caliburn.Micro.pptx
+++ b/WinRT and Caliburn.Micro.pptx
@@ -213,7 +213,7 @@
           <a:p>
             <a:fld id="{D686DCEA-62FB-4E62-8715-AD5E68A2B73F}" type="datetimeFigureOut">
               <a:rPr lang="en-US" smtClean="0"/>
-              <a:t>11/12/2013</a:t>
+              <a:t>11/13/2013</a:t>
             </a:fld>
             <a:endParaRPr lang="en-US"/>
           </a:p>
@@ -525,6 +525,29 @@
           <a:bodyPr/>
           <a:lstStyle/>
           <a:p>
+            <a:r>
+              <a:rPr lang="en-US" dirty="0" smtClean="0"/>
+              <a:t>I have very strong</a:t>
+            </a:r>
+            <a:r>
+              <a:rPr lang="en-US" baseline="0" dirty="0" smtClean="0"/>
+              <a:t> accent, and it gets worse when I am excited and speak too fast..</a:t>
+            </a:r>
+          </a:p>
+          <a:p>
+            <a:endParaRPr lang="en-US" baseline="0" dirty="0" smtClean="0"/>
+          </a:p>
+          <a:p>
+            <a:r>
+              <a:rPr lang="en-US" baseline="0" dirty="0" smtClean="0"/>
+              <a:t>Please feel free to interrupt me if you don’t understand anything </a:t>
+            </a:r>
+            <a:r>
+              <a:rPr lang="en-US" baseline="0" dirty="0" smtClean="0">
+                <a:sym typeface="Wingdings" panose="05000000000000000000" pitchFamily="2" charset="2"/>
+              </a:rPr>
+              <a:t>.</a:t>
+            </a:r>
             <a:endParaRPr lang="en-US" dirty="0"/>
           </a:p>
         </p:txBody>
@@ -1041,6 +1064,18 @@
           <a:bodyPr/>
           <a:lstStyle/>
           <a:p>
+            <a:r>
+              <a:rPr lang="en-US" dirty="0" smtClean="0"/>
+              <a:t>Instant</a:t>
+            </a:r>
+            <a:r>
+              <a:rPr lang="en-US" baseline="0" dirty="0" smtClean="0"/>
+              <a:t> Bingo - </a:t>
+            </a:r>
+            <a:r>
+              <a:rPr lang="en-US" dirty="0" smtClean="0"/>
+              <a:t>Conventions </a:t>
+            </a:r>
             <a:endParaRPr lang="en-US" dirty="0"/>
           </a:p>
         </p:txBody>
@@ -1892,7 +1927,35 @@
             </a:r>
             <a:r>
               <a:rPr lang="en-US" dirty="0" smtClean="0"/>
-              <a:t>: Thanks to the introduction of </a:t>
+              <a:t>: </a:t>
+            </a:r>
+            <a:endParaRPr lang="en-US" dirty="0" smtClean="0"/>
+          </a:p>
+          <a:p>
+            <a:endParaRPr lang="en-US" dirty="0" smtClean="0"/>
+          </a:p>
+          <a:p>
+            <a:r>
+              <a:rPr lang="en-US" dirty="0" smtClean="0"/>
+              <a:t>A routine</a:t>
+            </a:r>
+            <a:r>
+              <a:rPr lang="en-US" baseline="0" dirty="0" smtClean="0"/>
+              <a:t> that allows multiple entry points for suspending and resuming execution as certain locations. Before C# 5, we can do this by using yield return.</a:t>
+            </a:r>
+            <a:endParaRPr lang="en-US" dirty="0" smtClean="0"/>
+          </a:p>
+          <a:p>
+            <a:endParaRPr lang="en-US" dirty="0" smtClean="0"/>
+          </a:p>
+          <a:p>
+            <a:r>
+              <a:rPr lang="en-US" dirty="0" smtClean="0"/>
+              <a:t>Thanks </a:t>
+            </a:r>
+            <a:r>
+              <a:rPr lang="en-US" dirty="0" smtClean="0"/>
+              <a:t>to the introduction of </a:t>
             </a:r>
             <a:r>
               <a:rPr lang="en-US" dirty="0" err="1" smtClean="0"/>
@@ -1972,6 +2035,70 @@
               <a:rPr lang="en-US" dirty="0" smtClean="0"/>
               <a:t>)</a:t>
             </a:r>
+          </a:p>
+          <a:p>
+            <a:endParaRPr lang="en-US" dirty="0" smtClean="0"/>
+          </a:p>
+          <a:p>
+            <a:endParaRPr lang="en-US" dirty="0" smtClean="0"/>
+          </a:p>
+          <a:p>
+            <a:endParaRPr lang="en-US" dirty="0" smtClean="0"/>
+          </a:p>
+          <a:p>
+            <a:r>
+              <a:rPr lang="en-US" dirty="0" smtClean="0"/>
+              <a:t>Validation: </a:t>
+            </a:r>
+            <a:r>
+              <a:rPr lang="en-US" dirty="0" err="1" smtClean="0"/>
+              <a:t>ConventionManager.ApplyValidation</a:t>
+            </a:r>
+            <a:endParaRPr lang="en-US" dirty="0" smtClean="0"/>
+          </a:p>
+          <a:p>
+            <a:endParaRPr lang="en-US" dirty="0" smtClean="0"/>
+          </a:p>
+          <a:p>
+            <a:r>
+              <a:rPr lang="en-US" b="1" dirty="0" smtClean="0">
+                <a:hlinkClick r:id="rId3"/>
+              </a:rPr>
+              <a:t>Caliburn.Micro - is it possible to validate on exceptions with convention-based bindings?</a:t>
+            </a:r>
+            <a:endParaRPr lang="en-US" b="1" dirty="0" smtClean="0"/>
+          </a:p>
+          <a:p>
+            <a:endParaRPr lang="en-US" b="1" dirty="0" smtClean="0"/>
+          </a:p>
+          <a:p>
+            <a:r>
+              <a:rPr lang="en-US" dirty="0" err="1" smtClean="0"/>
+              <a:t>ConventionManager.ApplyValidation</a:t>
+            </a:r>
+            <a:r>
+              <a:rPr lang="en-US" dirty="0" smtClean="0"/>
+              <a:t> = (binding, </a:t>
+            </a:r>
+            <a:r>
+              <a:rPr lang="en-US" dirty="0" err="1" smtClean="0"/>
+              <a:t>viewModelType</a:t>
+            </a:r>
+            <a:r>
+              <a:rPr lang="en-US" dirty="0" smtClean="0"/>
+              <a:t>, property) =&gt; { </a:t>
+            </a:r>
+            <a:r>
+              <a:rPr lang="en-US" dirty="0" err="1" smtClean="0"/>
+              <a:t>binding.ValidatesOnExceptions</a:t>
+            </a:r>
+            <a:r>
+              <a:rPr lang="en-US" dirty="0" smtClean="0"/>
+              <a:t> = true; };</a:t>
+            </a:r>
+          </a:p>
+          <a:p>
+            <a:endParaRPr lang="en-US" dirty="0" smtClean="0"/>
           </a:p>
           <a:p>
             <a:endParaRPr lang="en-US" dirty="0" smtClean="0"/>
@@ -2208,6 +2335,14 @@
           <a:lstStyle/>
           <a:p>
             <a:r>
+              <a:rPr lang="en-US" dirty="0" smtClean="0"/>
+              <a:t>Today I</a:t>
+            </a:r>
+            <a:r>
+              <a:rPr lang="en-US" baseline="0" dirty="0" smtClean="0"/>
+              <a:t> will begin the talk with Windows Runtime or </a:t>
+            </a:r>
+            <a:r>
               <a:rPr lang="en-US" dirty="0" err="1" smtClean="0"/>
               <a:t>WinRT</a:t>
             </a:r>
@@ -2216,8 +2351,56 @@
           <a:p>
             <a:r>
               <a:rPr lang="en-US" dirty="0" smtClean="0"/>
-              <a:t>MVVM and XAML</a:t>
-            </a:r>
+              <a:t>Next talk a little bit about XAML and</a:t>
+            </a:r>
+            <a:r>
+              <a:rPr lang="en-US" baseline="0" dirty="0" smtClean="0"/>
+              <a:t> MVVM</a:t>
+            </a:r>
+          </a:p>
+          <a:p>
+            <a:r>
+              <a:rPr lang="en-US" baseline="0" dirty="0" smtClean="0"/>
+              <a:t>Then I will talk about Caliburn.Micro starting with </a:t>
+            </a:r>
+          </a:p>
+          <a:p>
+            <a:endParaRPr lang="en-US" baseline="0" dirty="0" smtClean="0"/>
+          </a:p>
+          <a:p>
+            <a:r>
+              <a:rPr lang="en-US" baseline="0" dirty="0" smtClean="0"/>
+              <a:t>A little bit of history</a:t>
+            </a:r>
+          </a:p>
+          <a:p>
+            <a:r>
+              <a:rPr lang="en-US" baseline="0" dirty="0" smtClean="0"/>
+              <a:t>Overview about </a:t>
+            </a:r>
+            <a:r>
+              <a:rPr lang="en-US" baseline="0" dirty="0" err="1" smtClean="0"/>
+              <a:t>WinRT</a:t>
+            </a:r>
+            <a:r>
+              <a:rPr lang="en-US" baseline="0" dirty="0" smtClean="0"/>
+              <a:t> and Caliburn.Micro</a:t>
+            </a:r>
+          </a:p>
+          <a:p>
+            <a:endParaRPr lang="en-US" baseline="0" dirty="0" smtClean="0"/>
+          </a:p>
+          <a:p>
+            <a:r>
+              <a:rPr lang="en-US" baseline="0" dirty="0" smtClean="0"/>
+              <a:t>And go to each topic by showing some slide and demo code</a:t>
+            </a:r>
+          </a:p>
+          <a:p>
+            <a:endParaRPr lang="en-US" baseline="0" dirty="0" smtClean="0"/>
+          </a:p>
+          <a:p>
+            <a:endParaRPr lang="en-US" dirty="0" smtClean="0"/>
           </a:p>
           <a:p>
             <a:r>
@@ -2532,15 +2715,19 @@
           <a:p>
             <a:r>
               <a:rPr lang="en-US" dirty="0" smtClean="0"/>
-              <a:t>Every Silverlight developer have</a:t>
+              <a:t>Every Silverlight developer </a:t>
+            </a:r>
+            <a:r>
+              <a:rPr lang="en-US" dirty="0" smtClean="0"/>
+              <a:t>has </a:t>
             </a:r>
             <a:r>
               <a:rPr lang="en-US" baseline="0" dirty="0" smtClean="0"/>
-              <a:t> to remember PDC 2010 when Bob Muglia </a:t>
+              <a:t>to </a:t>
             </a:r>
             <a:r>
               <a:rPr lang="en-US" baseline="0" dirty="0" smtClean="0"/>
-              <a:t>said </a:t>
+              <a:t>remember PDC 2010 when Bob Muglia said </a:t>
             </a:r>
             <a:r>
               <a:rPr lang="en-US" sz="1200" b="0" i="0" kern="1200" dirty="0" smtClean="0">
@@ -2554,6 +2741,92 @@
               </a:rPr>
               <a:t>“Our Silverlight strategy and focus going forward has shifted.”</a:t>
             </a:r>
+          </a:p>
+          <a:p>
+            <a:endParaRPr lang="en-US" sz="1200" b="0" i="0" kern="1200" dirty="0" smtClean="0">
+              <a:solidFill>
+                <a:schemeClr val="tx1"/>
+              </a:solidFill>
+              <a:effectLst/>
+              <a:latin typeface="+mn-lt"/>
+              <a:ea typeface="+mn-ea"/>
+              <a:cs typeface="+mn-cs"/>
+            </a:endParaRPr>
+          </a:p>
+          <a:p>
+            <a:r>
+              <a:rPr lang="en-US" sz="1200" b="0" i="0" kern="1200" dirty="0" smtClean="0">
+                <a:solidFill>
+                  <a:schemeClr val="tx1"/>
+                </a:solidFill>
+                <a:effectLst/>
+                <a:latin typeface="+mn-lt"/>
+                <a:ea typeface="+mn-ea"/>
+                <a:cs typeface="+mn-cs"/>
+              </a:rPr>
+              <a:t>And there were a lot of rumors about Microsoft</a:t>
+            </a:r>
+            <a:r>
+              <a:rPr lang="en-US" sz="1200" b="0" i="0" kern="1200" baseline="0" dirty="0" smtClean="0">
+                <a:solidFill>
+                  <a:schemeClr val="tx1"/>
+                </a:solidFill>
+                <a:effectLst/>
+                <a:latin typeface="+mn-lt"/>
+                <a:ea typeface="+mn-ea"/>
+                <a:cs typeface="+mn-cs"/>
+              </a:rPr>
+              <a:t> was going all-in with HTML5 and might abandon XAML or even .NET in Windows 8.</a:t>
+            </a:r>
+          </a:p>
+          <a:p>
+            <a:endParaRPr lang="en-US" sz="1200" b="0" i="0" kern="1200" baseline="0" dirty="0" smtClean="0">
+              <a:solidFill>
+                <a:schemeClr val="tx1"/>
+              </a:solidFill>
+              <a:effectLst/>
+              <a:latin typeface="+mn-lt"/>
+              <a:ea typeface="+mn-ea"/>
+              <a:cs typeface="+mn-cs"/>
+            </a:endParaRPr>
+          </a:p>
+          <a:p>
+            <a:r>
+              <a:rPr lang="en-US" sz="1200" b="0" i="0" kern="1200" baseline="0" dirty="0" smtClean="0">
+                <a:solidFill>
+                  <a:schemeClr val="tx1"/>
+                </a:solidFill>
+                <a:effectLst/>
+                <a:latin typeface="+mn-lt"/>
+                <a:ea typeface="+mn-ea"/>
+                <a:cs typeface="+mn-cs"/>
+              </a:rPr>
+              <a:t>What bothered developers were that Microsoft didn’t say anything and want us to wait for the 1</a:t>
+            </a:r>
+            <a:r>
+              <a:rPr lang="en-US" sz="1200" b="0" i="0" kern="1200" baseline="30000" dirty="0" smtClean="0">
+                <a:solidFill>
+                  <a:schemeClr val="tx1"/>
+                </a:solidFill>
+                <a:effectLst/>
+                <a:latin typeface="+mn-lt"/>
+                <a:ea typeface="+mn-ea"/>
+                <a:cs typeface="+mn-cs"/>
+              </a:rPr>
+              <a:t>st</a:t>
+            </a:r>
+            <a:r>
+              <a:rPr lang="en-US" sz="1200" b="0" i="0" kern="1200" baseline="0" dirty="0" smtClean="0">
+                <a:solidFill>
+                  <a:schemeClr val="tx1"/>
+                </a:solidFill>
+                <a:effectLst/>
+                <a:latin typeface="+mn-lt"/>
+                <a:ea typeface="+mn-ea"/>
+                <a:cs typeface="+mn-cs"/>
+              </a:rPr>
+              <a:t> BUILD conference.</a:t>
+            </a:r>
             <a:endParaRPr lang="en-US" dirty="0" smtClean="0"/>
           </a:p>
           <a:p>
@@ -2583,32 +2856,129 @@
           <a:p>
             <a:r>
               <a:rPr lang="en-US" dirty="0" smtClean="0"/>
-              <a:t>Original diagram from Lap around the Windows Runtime at BUILD</a:t>
+              <a:t>At BUILD 2011, Microsoft officially</a:t>
             </a:r>
             <a:r>
               <a:rPr lang="en-US" baseline="0" dirty="0" smtClean="0"/>
-              <a:t> 2011</a:t>
-            </a:r>
-          </a:p>
-          <a:p>
+              <a:t> introduced Windows 8 and how to develop apps for their new platform with </a:t>
+            </a:r>
+            <a:r>
+              <a:rPr lang="en-US" sz="1200" kern="1200" dirty="0" smtClean="0">
+                <a:solidFill>
+                  <a:schemeClr val="tx1"/>
+                </a:solidFill>
+                <a:effectLst/>
+                <a:latin typeface="+mn-lt"/>
+                <a:ea typeface="+mn-ea"/>
+                <a:cs typeface="+mn-cs"/>
+              </a:rPr>
+              <a:t>Windows Runtime </a:t>
+            </a:r>
+            <a:r>
+              <a:rPr lang="en-US" sz="1200" kern="1200" baseline="0" dirty="0" smtClean="0">
+                <a:solidFill>
+                  <a:schemeClr val="tx1"/>
+                </a:solidFill>
+                <a:effectLst/>
+                <a:latin typeface="+mn-lt"/>
+                <a:ea typeface="+mn-ea"/>
+                <a:cs typeface="+mn-cs"/>
+              </a:rPr>
+              <a:t>or </a:t>
+            </a:r>
+            <a:r>
+              <a:rPr lang="en-US" sz="1200" kern="1200" baseline="0" dirty="0" err="1" smtClean="0">
+                <a:solidFill>
+                  <a:schemeClr val="tx1"/>
+                </a:solidFill>
+                <a:effectLst/>
+                <a:latin typeface="+mn-lt"/>
+                <a:ea typeface="+mn-ea"/>
+                <a:cs typeface="+mn-cs"/>
+              </a:rPr>
+              <a:t>WinRT</a:t>
+            </a:r>
+            <a:r>
+              <a:rPr lang="en-US" sz="1200" kern="1200" baseline="0" dirty="0" smtClean="0">
+                <a:solidFill>
+                  <a:schemeClr val="tx1"/>
+                </a:solidFill>
+                <a:effectLst/>
+                <a:latin typeface="+mn-lt"/>
+                <a:ea typeface="+mn-ea"/>
+                <a:cs typeface="+mn-cs"/>
+              </a:rPr>
+              <a:t>.</a:t>
+            </a:r>
             <a:endParaRPr lang="en-US" baseline="0" dirty="0" smtClean="0"/>
           </a:p>
           <a:p>
-            <a:r>
-              <a:rPr lang="en-US" dirty="0" smtClean="0">
-                <a:hlinkClick r:id="rId5"/>
-              </a:rPr>
-              <a:t>http://channel9.msdn.com/Events/Build/BUILD2011/PLAT-874T</a:t>
-            </a:r>
-            <a:endParaRPr lang="en-US" dirty="0" smtClean="0"/>
-          </a:p>
-          <a:p>
-            <a:endParaRPr lang="en-US" dirty="0" smtClean="0"/>
-          </a:p>
-          <a:p>
-            <a:endParaRPr lang="en-US" dirty="0" smtClean="0"/>
-          </a:p>
-          <a:p>
+            <a:endParaRPr lang="en-US" baseline="0" dirty="0" smtClean="0"/>
+          </a:p>
+          <a:p>
+            <a:r>
+              <a:rPr lang="en-US" baseline="0" dirty="0" smtClean="0"/>
+              <a:t>The green side is </a:t>
+            </a:r>
+            <a:r>
+              <a:rPr lang="en-US" baseline="0" dirty="0" err="1" smtClean="0"/>
+              <a:t>WinRT</a:t>
+            </a:r>
+            <a:r>
+              <a:rPr lang="en-US" baseline="0" dirty="0" smtClean="0"/>
+              <a:t> and the blue side is the desktop apps, .NET, Win32</a:t>
+            </a:r>
+          </a:p>
+          <a:p>
+            <a:endParaRPr lang="en-US" baseline="0" dirty="0" smtClean="0"/>
+          </a:p>
+          <a:p>
+            <a:r>
+              <a:rPr lang="en-US" baseline="0" dirty="0" smtClean="0"/>
+              <a:t>It turned out that </a:t>
+            </a:r>
+            <a:r>
+              <a:rPr lang="en-US" baseline="0" dirty="0" err="1" smtClean="0"/>
+              <a:t>WinRT</a:t>
+            </a:r>
+            <a:r>
+              <a:rPr lang="en-US" baseline="0" dirty="0" smtClean="0"/>
+              <a:t> does support HTML5, but it also supports XAML/C#/VB and C++ stacks as well.</a:t>
+            </a:r>
+          </a:p>
+          <a:p>
+            <a:endParaRPr lang="en-US" baseline="0" dirty="0" smtClean="0"/>
+          </a:p>
+          <a:p>
+            <a:pPr marL="0" marR="0" indent="0" algn="l" defTabSz="914400" rtl="0" eaLnBrk="1" fontAlgn="auto" latinLnBrk="0" hangingPunct="1">
+              <a:lnSpc>
+                <a:spcPct val="100000"/>
+              </a:lnSpc>
+              <a:spcBef>
+                <a:spcPts val="0"/>
+              </a:spcBef>
+              <a:spcAft>
+                <a:spcPts val="0"/>
+              </a:spcAft>
+              <a:buClrTx/>
+              <a:buSzTx/>
+              <a:buFontTx/>
+              <a:buNone/>
+              <a:tabLst/>
+              <a:defRPr/>
+            </a:pPr>
+            <a:r>
+              <a:rPr lang="en-US" sz="1200" kern="1200" dirty="0" smtClean="0">
+                <a:solidFill>
+                  <a:schemeClr val="tx1"/>
+                </a:solidFill>
+                <a:effectLst/>
+                <a:latin typeface="+mn-lt"/>
+                <a:ea typeface="+mn-ea"/>
+                <a:cs typeface="+mn-cs"/>
+              </a:rPr>
+              <a:t>Applications developed by using </a:t>
+            </a:r>
             <a:r>
               <a:rPr lang="en-US" sz="1200" kern="1200" dirty="0" err="1" smtClean="0">
                 <a:solidFill>
@@ -2631,7 +3001,7 @@
                 <a:ea typeface="+mn-ea"/>
                 <a:cs typeface="+mn-cs"/>
               </a:rPr>
-              <a:t> or Windows Runtime is a new set of COM-based (e.g., every </a:t>
+              <a:t> are known as Windows Store apps or Metro-style apps. That's why many people including me also use term </a:t>
             </a:r>
             <a:r>
               <a:rPr lang="en-US" sz="1200" kern="1200" dirty="0" err="1" smtClean="0">
@@ -2655,7 +3025,7 @@
                 <a:ea typeface="+mn-ea"/>
                 <a:cs typeface="+mn-cs"/>
               </a:rPr>
-              <a:t> object implements </a:t>
+              <a:t> app to refer to Windows Store app. (However, in the future, Microsoft might let people develop other kind of apps using </a:t>
             </a:r>
             <a:r>
               <a:rPr lang="en-US" sz="1200" kern="1200" dirty="0" err="1" smtClean="0">
@@ -2667,7 +3037,7 @@
                 <a:ea typeface="+mn-ea"/>
                 <a:cs typeface="+mn-cs"/>
               </a:rPr>
-              <a:t>IUnknown</a:t>
+              <a:t>WinRT</a:t>
             </a:r>
             <a:r>
               <a:rPr lang="en-US" sz="1200" kern="1200" dirty="0" smtClean="0">
@@ -2679,321 +3049,38 @@
                 <a:ea typeface="+mn-ea"/>
                 <a:cs typeface="+mn-cs"/>
               </a:rPr>
-              <a:t> and does </a:t>
-            </a:r>
-            <a:r>
-              <a:rPr lang="en-US" sz="1200" kern="1200" dirty="0" err="1" smtClean="0">
-                <a:solidFill>
-                  <a:schemeClr val="tx1"/>
-                </a:solidFill>
-                <a:effectLst/>
-                <a:latin typeface="+mn-lt"/>
-                <a:ea typeface="+mn-ea"/>
-                <a:cs typeface="+mn-cs"/>
-              </a:rPr>
-              <a:t>refcounting</a:t>
-            </a:r>
-            <a:r>
-              <a:rPr lang="en-US" sz="1200" kern="1200" dirty="0" smtClean="0">
-                <a:solidFill>
-                  <a:schemeClr val="tx1"/>
-                </a:solidFill>
-                <a:effectLst/>
-                <a:latin typeface="+mn-lt"/>
-                <a:ea typeface="+mn-ea"/>
-                <a:cs typeface="+mn-cs"/>
-              </a:rPr>
-              <a:t>) native APIs on the Windows 8. The API definition is defined in </a:t>
-            </a:r>
-            <a:r>
-              <a:rPr lang="en-US" sz="1200" kern="1200" dirty="0" err="1" smtClean="0">
-                <a:solidFill>
-                  <a:schemeClr val="tx1"/>
-                </a:solidFill>
-                <a:effectLst/>
-                <a:latin typeface="+mn-lt"/>
-                <a:ea typeface="+mn-ea"/>
-                <a:cs typeface="+mn-cs"/>
-              </a:rPr>
-              <a:t>WinMD</a:t>
-            </a:r>
-            <a:r>
-              <a:rPr lang="en-US" sz="1200" kern="1200" dirty="0" smtClean="0">
-                <a:solidFill>
-                  <a:schemeClr val="tx1"/>
-                </a:solidFill>
-                <a:effectLst/>
-                <a:latin typeface="+mn-lt"/>
-                <a:ea typeface="+mn-ea"/>
-                <a:cs typeface="+mn-cs"/>
-              </a:rPr>
-              <a:t> metadata format similar to .NET. </a:t>
-            </a:r>
-          </a:p>
-          <a:p>
-            <a:r>
-              <a:rPr lang="en-US" sz="1200" kern="1200" dirty="0" smtClean="0">
-                <a:solidFill>
-                  <a:schemeClr val="tx1"/>
-                </a:solidFill>
-                <a:effectLst/>
-                <a:latin typeface="+mn-lt"/>
-                <a:ea typeface="+mn-ea"/>
-                <a:cs typeface="+mn-cs"/>
-              </a:rPr>
-              <a:t> </a:t>
-            </a:r>
-          </a:p>
-          <a:p>
-            <a:r>
-              <a:rPr lang="en-US" sz="1200" kern="1200" dirty="0" smtClean="0">
-                <a:solidFill>
-                  <a:schemeClr val="tx1"/>
-                </a:solidFill>
-                <a:effectLst/>
-                <a:latin typeface="+mn-lt"/>
-                <a:ea typeface="+mn-ea"/>
-                <a:cs typeface="+mn-cs"/>
-              </a:rPr>
-              <a:t>Besides creating modern APIs that is cloud-ready, sandboxed, the design objective of </a:t>
-            </a:r>
-            <a:r>
-              <a:rPr lang="en-US" sz="1200" kern="1200" dirty="0" err="1" smtClean="0">
-                <a:solidFill>
-                  <a:schemeClr val="tx1"/>
-                </a:solidFill>
-                <a:effectLst/>
-                <a:latin typeface="+mn-lt"/>
-                <a:ea typeface="+mn-ea"/>
-                <a:cs typeface="+mn-cs"/>
-              </a:rPr>
-              <a:t>WinRT</a:t>
-            </a:r>
-            <a:r>
-              <a:rPr lang="en-US" sz="1200" kern="1200" dirty="0" smtClean="0">
-                <a:solidFill>
-                  <a:schemeClr val="tx1"/>
-                </a:solidFill>
-                <a:effectLst/>
-                <a:latin typeface="+mn-lt"/>
-                <a:ea typeface="+mn-ea"/>
-                <a:cs typeface="+mn-cs"/>
-              </a:rPr>
-              <a:t> is creating APIs that is accessible to .NET and JavaScript developers. </a:t>
-            </a:r>
-            <a:r>
-              <a:rPr lang="en-US" sz="1200" kern="1200" dirty="0" err="1" smtClean="0">
-                <a:solidFill>
-                  <a:schemeClr val="tx1"/>
-                </a:solidFill>
-                <a:effectLst/>
-                <a:latin typeface="+mn-lt"/>
-                <a:ea typeface="+mn-ea"/>
-                <a:cs typeface="+mn-cs"/>
-              </a:rPr>
-              <a:t>WinRT</a:t>
-            </a:r>
-            <a:r>
-              <a:rPr lang="en-US" sz="1200" kern="1200" dirty="0" smtClean="0">
-                <a:solidFill>
-                  <a:schemeClr val="tx1"/>
-                </a:solidFill>
-                <a:effectLst/>
-                <a:latin typeface="+mn-lt"/>
-                <a:ea typeface="+mn-ea"/>
-                <a:cs typeface="+mn-cs"/>
-              </a:rPr>
-              <a:t> exposed their APIs to C/C++, JavaScript, and .NET stacks through "projections mechanism (</a:t>
-            </a:r>
-            <a:r>
-              <a:rPr lang="en-US" sz="1200" kern="1200" dirty="0" err="1" smtClean="0">
-                <a:solidFill>
-                  <a:schemeClr val="tx1"/>
-                </a:solidFill>
-                <a:effectLst/>
-                <a:latin typeface="+mn-lt"/>
-                <a:ea typeface="+mn-ea"/>
-                <a:cs typeface="+mn-cs"/>
-              </a:rPr>
-              <a:t>IInspectable</a:t>
-            </a:r>
-            <a:r>
-              <a:rPr lang="en-US" sz="1200" kern="1200" dirty="0" smtClean="0">
-                <a:solidFill>
-                  <a:schemeClr val="tx1"/>
-                </a:solidFill>
-                <a:effectLst/>
-                <a:latin typeface="+mn-lt"/>
-                <a:ea typeface="+mn-ea"/>
-                <a:cs typeface="+mn-cs"/>
-              </a:rPr>
-              <a:t>)."</a:t>
-            </a:r>
-          </a:p>
-          <a:p>
-            <a:r>
-              <a:rPr lang="en-US" sz="1200" kern="1200" dirty="0" smtClean="0">
-                <a:solidFill>
-                  <a:schemeClr val="tx1"/>
-                </a:solidFill>
-                <a:effectLst/>
-                <a:latin typeface="+mn-lt"/>
-                <a:ea typeface="+mn-ea"/>
-                <a:cs typeface="+mn-cs"/>
-              </a:rPr>
-              <a:t> </a:t>
-            </a:r>
-          </a:p>
-          <a:p>
-            <a:r>
-              <a:rPr lang="en-US" sz="1200" b="1" kern="1200" dirty="0" smtClean="0">
-                <a:solidFill>
-                  <a:schemeClr val="tx1"/>
-                </a:solidFill>
-                <a:effectLst/>
-                <a:latin typeface="+mn-lt"/>
-                <a:ea typeface="+mn-ea"/>
-                <a:cs typeface="+mn-cs"/>
-              </a:rPr>
-              <a:t>Windows Store App &amp; Metro-Style App</a:t>
-            </a:r>
-            <a:endParaRPr lang="en-US" sz="1200" kern="1200" dirty="0" smtClean="0">
-              <a:solidFill>
-                <a:schemeClr val="tx1"/>
-              </a:solidFill>
-              <a:effectLst/>
-              <a:latin typeface="+mn-lt"/>
-              <a:ea typeface="+mn-ea"/>
-              <a:cs typeface="+mn-cs"/>
-            </a:endParaRPr>
-          </a:p>
-          <a:p>
-            <a:r>
-              <a:rPr lang="en-US" sz="1200" kern="1200" dirty="0" smtClean="0">
-                <a:solidFill>
-                  <a:schemeClr val="tx1"/>
-                </a:solidFill>
-                <a:effectLst/>
-                <a:latin typeface="+mn-lt"/>
-                <a:ea typeface="+mn-ea"/>
-                <a:cs typeface="+mn-cs"/>
-              </a:rPr>
-              <a:t> </a:t>
-            </a:r>
-          </a:p>
-          <a:p>
-            <a:r>
-              <a:rPr lang="en-US" sz="1200" kern="1200" dirty="0" smtClean="0">
-                <a:solidFill>
-                  <a:schemeClr val="tx1"/>
-                </a:solidFill>
-                <a:effectLst/>
-                <a:latin typeface="+mn-lt"/>
-                <a:ea typeface="+mn-ea"/>
-                <a:cs typeface="+mn-cs"/>
-              </a:rPr>
-              <a:t>Applications developed by using </a:t>
-            </a:r>
-            <a:r>
-              <a:rPr lang="en-US" sz="1200" kern="1200" dirty="0" err="1" smtClean="0">
-                <a:solidFill>
-                  <a:schemeClr val="tx1"/>
-                </a:solidFill>
-                <a:effectLst/>
-                <a:latin typeface="+mn-lt"/>
-                <a:ea typeface="+mn-ea"/>
-                <a:cs typeface="+mn-cs"/>
-              </a:rPr>
-              <a:t>WinRT</a:t>
-            </a:r>
-            <a:r>
-              <a:rPr lang="en-US" sz="1200" kern="1200" dirty="0" smtClean="0">
-                <a:solidFill>
-                  <a:schemeClr val="tx1"/>
-                </a:solidFill>
-                <a:effectLst/>
-                <a:latin typeface="+mn-lt"/>
-                <a:ea typeface="+mn-ea"/>
-                <a:cs typeface="+mn-cs"/>
-              </a:rPr>
-              <a:t> are known as Windows Store apps or Metro-style apps. That's why many people including me also use term </a:t>
-            </a:r>
-            <a:r>
-              <a:rPr lang="en-US" sz="1200" kern="1200" dirty="0" err="1" smtClean="0">
-                <a:solidFill>
-                  <a:schemeClr val="tx1"/>
-                </a:solidFill>
-                <a:effectLst/>
-                <a:latin typeface="+mn-lt"/>
-                <a:ea typeface="+mn-ea"/>
-                <a:cs typeface="+mn-cs"/>
-              </a:rPr>
-              <a:t>WinRT</a:t>
-            </a:r>
-            <a:r>
-              <a:rPr lang="en-US" sz="1200" kern="1200" dirty="0" smtClean="0">
-                <a:solidFill>
-                  <a:schemeClr val="tx1"/>
-                </a:solidFill>
-                <a:effectLst/>
-                <a:latin typeface="+mn-lt"/>
-                <a:ea typeface="+mn-ea"/>
-                <a:cs typeface="+mn-cs"/>
-              </a:rPr>
-              <a:t> app to refer to Windows Store app. (However, in the future, Microsoft might let people develop other kind of apps using </a:t>
-            </a:r>
-            <a:r>
-              <a:rPr lang="en-US" sz="1200" kern="1200" dirty="0" err="1" smtClean="0">
-                <a:solidFill>
-                  <a:schemeClr val="tx1"/>
-                </a:solidFill>
-                <a:effectLst/>
-                <a:latin typeface="+mn-lt"/>
-                <a:ea typeface="+mn-ea"/>
-                <a:cs typeface="+mn-cs"/>
-              </a:rPr>
-              <a:t>WinRT</a:t>
-            </a:r>
-            <a:r>
-              <a:rPr lang="en-US" sz="1200" kern="1200" dirty="0" smtClean="0">
-                <a:solidFill>
-                  <a:schemeClr val="tx1"/>
-                </a:solidFill>
-                <a:effectLst/>
-                <a:latin typeface="+mn-lt"/>
-                <a:ea typeface="+mn-ea"/>
-                <a:cs typeface="+mn-cs"/>
-              </a:rPr>
               <a:t>; Wild guessing)</a:t>
             </a:r>
           </a:p>
           <a:p>
-            <a:r>
-              <a:rPr lang="en-US" sz="1200" kern="1200" dirty="0" smtClean="0">
-                <a:solidFill>
-                  <a:schemeClr val="tx1"/>
-                </a:solidFill>
-                <a:effectLst/>
-                <a:latin typeface="+mn-lt"/>
-                <a:ea typeface="+mn-ea"/>
-                <a:cs typeface="+mn-cs"/>
-              </a:rPr>
-              <a:t> </a:t>
-            </a:r>
-          </a:p>
-          <a:p>
-            <a:r>
-              <a:rPr lang="en-US" sz="1200" b="1" kern="1200" dirty="0" smtClean="0">
-                <a:solidFill>
-                  <a:schemeClr val="tx1"/>
-                </a:solidFill>
-                <a:effectLst/>
-                <a:latin typeface="+mn-lt"/>
-                <a:ea typeface="+mn-ea"/>
-                <a:cs typeface="+mn-cs"/>
-              </a:rPr>
-              <a:t>What does it have to do with .NET?</a:t>
-            </a:r>
+            <a:endParaRPr lang="en-US" dirty="0" smtClean="0"/>
+          </a:p>
+          <a:p>
+            <a:endParaRPr lang="en-US" dirty="0" smtClean="0"/>
+          </a:p>
+          <a:p>
+            <a:r>
+              <a:rPr lang="en-US" dirty="0" smtClean="0"/>
+              <a:t>Original diagram from Lap around the Windows Runtime at BUILD</a:t>
+            </a:r>
+            <a:r>
+              <a:rPr lang="en-US" baseline="0" dirty="0" smtClean="0"/>
+              <a:t> 2011</a:t>
+            </a:r>
+          </a:p>
+          <a:p>
+            <a:endParaRPr lang="en-US" baseline="0" dirty="0" smtClean="0"/>
+          </a:p>
+          <a:p>
+            <a:r>
+              <a:rPr lang="en-US" dirty="0" smtClean="0">
+                <a:hlinkClick r:id="rId5"/>
+              </a:rPr>
+              <a:t>http://channel9.msdn.com/Events/Build/BUILD2011/PLAT-874T</a:t>
+            </a:r>
+            <a:endParaRPr lang="en-US" dirty="0" smtClean="0"/>
+          </a:p>
+          <a:p>
             <a:endParaRPr lang="en-US" sz="1200" kern="1200" dirty="0" smtClean="0">
               <a:solidFill>
                 <a:schemeClr val="tx1"/>
@@ -3190,6 +3277,190 @@
             <a:endParaRPr lang="en-US" dirty="0" smtClean="0"/>
           </a:p>
           <a:p>
+            <a:r>
+              <a:rPr lang="en-US" dirty="0" smtClean="0"/>
+              <a:t>So</a:t>
+            </a:r>
+            <a:r>
+              <a:rPr lang="en-US" baseline="0" dirty="0" smtClean="0"/>
+              <a:t> what is </a:t>
+            </a:r>
+            <a:r>
+              <a:rPr lang="en-US" baseline="0" dirty="0" err="1" smtClean="0"/>
+              <a:t>WinRT</a:t>
+            </a:r>
+            <a:r>
+              <a:rPr lang="en-US" baseline="0" dirty="0" smtClean="0"/>
+              <a:t>?</a:t>
+            </a:r>
+            <a:endParaRPr lang="en-US" dirty="0" smtClean="0"/>
+          </a:p>
+          <a:p>
+            <a:endParaRPr lang="en-US" dirty="0" smtClean="0"/>
+          </a:p>
+          <a:p>
+            <a:r>
+              <a:rPr lang="en-US" sz="1200" kern="1200" dirty="0" smtClean="0">
+                <a:solidFill>
+                  <a:schemeClr val="tx1"/>
+                </a:solidFill>
+                <a:effectLst/>
+                <a:latin typeface="+mn-lt"/>
+                <a:ea typeface="+mn-ea"/>
+                <a:cs typeface="+mn-cs"/>
+              </a:rPr>
+              <a:t>Behind the scenes,</a:t>
+            </a:r>
+            <a:r>
+              <a:rPr lang="en-US" sz="1200" kern="1200" baseline="0" dirty="0" smtClean="0">
+                <a:solidFill>
+                  <a:schemeClr val="tx1"/>
+                </a:solidFill>
+                <a:effectLst/>
+                <a:latin typeface="+mn-lt"/>
+                <a:ea typeface="+mn-ea"/>
+                <a:cs typeface="+mn-cs"/>
+              </a:rPr>
+              <a:t> </a:t>
+            </a:r>
+            <a:r>
+              <a:rPr lang="en-US" sz="1200" kern="1200" dirty="0" err="1" smtClean="0">
+                <a:solidFill>
+                  <a:schemeClr val="tx1"/>
+                </a:solidFill>
+                <a:effectLst/>
+                <a:latin typeface="+mn-lt"/>
+                <a:ea typeface="+mn-ea"/>
+                <a:cs typeface="+mn-cs"/>
+              </a:rPr>
+              <a:t>WinRT</a:t>
+            </a:r>
+            <a:r>
+              <a:rPr lang="en-US" sz="1200" kern="1200" baseline="0" dirty="0" smtClean="0">
+                <a:solidFill>
+                  <a:schemeClr val="tx1"/>
+                </a:solidFill>
+                <a:effectLst/>
+                <a:latin typeface="+mn-lt"/>
+                <a:ea typeface="+mn-ea"/>
+                <a:cs typeface="+mn-cs"/>
+              </a:rPr>
+              <a:t> </a:t>
+            </a:r>
+            <a:r>
+              <a:rPr lang="en-US" sz="1200" kern="1200" dirty="0" smtClean="0">
+                <a:solidFill>
+                  <a:schemeClr val="tx1"/>
+                </a:solidFill>
+                <a:effectLst/>
+                <a:latin typeface="+mn-lt"/>
+                <a:ea typeface="+mn-ea"/>
+                <a:cs typeface="+mn-cs"/>
+              </a:rPr>
+              <a:t>is a new set of COM-based (e.g., every </a:t>
+            </a:r>
+            <a:r>
+              <a:rPr lang="en-US" sz="1200" kern="1200" dirty="0" err="1" smtClean="0">
+                <a:solidFill>
+                  <a:schemeClr val="tx1"/>
+                </a:solidFill>
+                <a:effectLst/>
+                <a:latin typeface="+mn-lt"/>
+                <a:ea typeface="+mn-ea"/>
+                <a:cs typeface="+mn-cs"/>
+              </a:rPr>
+              <a:t>WinRT</a:t>
+            </a:r>
+            <a:r>
+              <a:rPr lang="en-US" sz="1200" kern="1200" dirty="0" smtClean="0">
+                <a:solidFill>
+                  <a:schemeClr val="tx1"/>
+                </a:solidFill>
+                <a:effectLst/>
+                <a:latin typeface="+mn-lt"/>
+                <a:ea typeface="+mn-ea"/>
+                <a:cs typeface="+mn-cs"/>
+              </a:rPr>
+              <a:t> object implements </a:t>
+            </a:r>
+            <a:r>
+              <a:rPr lang="en-US" sz="1200" kern="1200" dirty="0" err="1" smtClean="0">
+                <a:solidFill>
+                  <a:schemeClr val="tx1"/>
+                </a:solidFill>
+                <a:effectLst/>
+                <a:latin typeface="+mn-lt"/>
+                <a:ea typeface="+mn-ea"/>
+                <a:cs typeface="+mn-cs"/>
+              </a:rPr>
+              <a:t>IUnknown</a:t>
+            </a:r>
+            <a:r>
+              <a:rPr lang="en-US" sz="1200" kern="1200" dirty="0" smtClean="0">
+                <a:solidFill>
+                  <a:schemeClr val="tx1"/>
+                </a:solidFill>
+                <a:effectLst/>
+                <a:latin typeface="+mn-lt"/>
+                <a:ea typeface="+mn-ea"/>
+                <a:cs typeface="+mn-cs"/>
+              </a:rPr>
+              <a:t> and does </a:t>
+            </a:r>
+            <a:r>
+              <a:rPr lang="en-US" sz="1200" kern="1200" dirty="0" err="1" smtClean="0">
+                <a:solidFill>
+                  <a:schemeClr val="tx1"/>
+                </a:solidFill>
+                <a:effectLst/>
+                <a:latin typeface="+mn-lt"/>
+                <a:ea typeface="+mn-ea"/>
+                <a:cs typeface="+mn-cs"/>
+              </a:rPr>
+              <a:t>refcounting</a:t>
+            </a:r>
+            <a:r>
+              <a:rPr lang="en-US" sz="1200" kern="1200" dirty="0" smtClean="0">
+                <a:solidFill>
+                  <a:schemeClr val="tx1"/>
+                </a:solidFill>
+                <a:effectLst/>
+                <a:latin typeface="+mn-lt"/>
+                <a:ea typeface="+mn-ea"/>
+                <a:cs typeface="+mn-cs"/>
+              </a:rPr>
+              <a:t>) native APIs on the Windows 8. The API definition is defined in </a:t>
+            </a:r>
+            <a:r>
+              <a:rPr lang="en-US" sz="1200" kern="1200" dirty="0" err="1" smtClean="0">
+                <a:solidFill>
+                  <a:schemeClr val="tx1"/>
+                </a:solidFill>
+                <a:effectLst/>
+                <a:latin typeface="+mn-lt"/>
+                <a:ea typeface="+mn-ea"/>
+                <a:cs typeface="+mn-cs"/>
+              </a:rPr>
+              <a:t>WinMD</a:t>
+            </a:r>
+            <a:r>
+              <a:rPr lang="en-US" sz="1200" kern="1200" dirty="0" smtClean="0">
+                <a:solidFill>
+                  <a:schemeClr val="tx1"/>
+                </a:solidFill>
+                <a:effectLst/>
+                <a:latin typeface="+mn-lt"/>
+                <a:ea typeface="+mn-ea"/>
+                <a:cs typeface="+mn-cs"/>
+              </a:rPr>
+              <a:t> metadata format similar to .NET. </a:t>
+            </a:r>
+            <a:endParaRPr lang="en-US" dirty="0" smtClean="0"/>
+          </a:p>
+          <a:p>
+            <a:endParaRPr lang="en-US" dirty="0" smtClean="0"/>
+          </a:p>
+          <a:p>
             <a:endParaRPr lang="en-US" dirty="0" smtClean="0"/>
           </a:p>
           <a:p>
@@ -3214,6 +3485,115 @@
             </a:r>
           </a:p>
           <a:p>
+            <a:pPr marL="0" marR="0" indent="0" algn="l" defTabSz="914400" rtl="0" eaLnBrk="1" fontAlgn="auto" latinLnBrk="0" hangingPunct="1">
+              <a:lnSpc>
+                <a:spcPct val="100000"/>
+              </a:lnSpc>
+              <a:spcBef>
+                <a:spcPts val="0"/>
+              </a:spcBef>
+              <a:spcAft>
+                <a:spcPts val="0"/>
+              </a:spcAft>
+              <a:buClrTx/>
+              <a:buSzTx/>
+              <a:buFontTx/>
+              <a:buNone/>
+              <a:tabLst/>
+              <a:defRPr/>
+            </a:pPr>
+            <a:r>
+              <a:rPr lang="en-US" sz="1200" kern="1200" dirty="0" smtClean="0">
+                <a:solidFill>
+                  <a:schemeClr val="tx1"/>
+                </a:solidFill>
+                <a:effectLst/>
+                <a:latin typeface="+mn-lt"/>
+                <a:ea typeface="+mn-ea"/>
+                <a:cs typeface="+mn-cs"/>
+              </a:rPr>
+              <a:t>Besides creating modern APIs that is cloud-ready, sandboxed, the design objective of </a:t>
+            </a:r>
+            <a:r>
+              <a:rPr lang="en-US" sz="1200" kern="1200" dirty="0" err="1" smtClean="0">
+                <a:solidFill>
+                  <a:schemeClr val="tx1"/>
+                </a:solidFill>
+                <a:effectLst/>
+                <a:latin typeface="+mn-lt"/>
+                <a:ea typeface="+mn-ea"/>
+                <a:cs typeface="+mn-cs"/>
+              </a:rPr>
+              <a:t>WinRT</a:t>
+            </a:r>
+            <a:r>
+              <a:rPr lang="en-US" sz="1200" kern="1200" dirty="0" smtClean="0">
+                <a:solidFill>
+                  <a:schemeClr val="tx1"/>
+                </a:solidFill>
+                <a:effectLst/>
+                <a:latin typeface="+mn-lt"/>
+                <a:ea typeface="+mn-ea"/>
+                <a:cs typeface="+mn-cs"/>
+              </a:rPr>
+              <a:t> is creating APIs that is accessible to .NET and JavaScript developers. </a:t>
+            </a:r>
+            <a:r>
+              <a:rPr lang="en-US" sz="1200" kern="1200" dirty="0" err="1" smtClean="0">
+                <a:solidFill>
+                  <a:schemeClr val="tx1"/>
+                </a:solidFill>
+                <a:effectLst/>
+                <a:latin typeface="+mn-lt"/>
+                <a:ea typeface="+mn-ea"/>
+                <a:cs typeface="+mn-cs"/>
+              </a:rPr>
+              <a:t>WinRT</a:t>
+            </a:r>
+            <a:r>
+              <a:rPr lang="en-US" sz="1200" kern="1200" dirty="0" smtClean="0">
+                <a:solidFill>
+                  <a:schemeClr val="tx1"/>
+                </a:solidFill>
+                <a:effectLst/>
+                <a:latin typeface="+mn-lt"/>
+                <a:ea typeface="+mn-ea"/>
+                <a:cs typeface="+mn-cs"/>
+              </a:rPr>
+              <a:t> exposed their APIs to C/C++, JavaScript, and .NET stacks through "projections mechanism (</a:t>
+            </a:r>
+            <a:r>
+              <a:rPr lang="en-US" sz="1200" kern="1200" dirty="0" err="1" smtClean="0">
+                <a:solidFill>
+                  <a:schemeClr val="tx1"/>
+                </a:solidFill>
+                <a:effectLst/>
+                <a:latin typeface="+mn-lt"/>
+                <a:ea typeface="+mn-ea"/>
+                <a:cs typeface="+mn-cs"/>
+              </a:rPr>
+              <a:t>IInspectable</a:t>
+            </a:r>
+            <a:r>
+              <a:rPr lang="en-US" sz="1200" kern="1200" dirty="0" smtClean="0">
+                <a:solidFill>
+                  <a:schemeClr val="tx1"/>
+                </a:solidFill>
+                <a:effectLst/>
+                <a:latin typeface="+mn-lt"/>
+                <a:ea typeface="+mn-ea"/>
+                <a:cs typeface="+mn-cs"/>
+              </a:rPr>
+              <a:t>)."</a:t>
+            </a:r>
+          </a:p>
+          <a:p>
+            <a:endParaRPr lang="en-US" baseline="0" dirty="0" smtClean="0"/>
+          </a:p>
+          <a:p>
+            <a:endParaRPr lang="en-US" baseline="0" dirty="0" smtClean="0"/>
+          </a:p>
+          <a:p>
             <a:r>
               <a:rPr lang="en-US" baseline="0" dirty="0" smtClean="0"/>
               <a:t>Fortunately, as a .NET developer, we don’t need to worry about it. Besides, emphasis on asynchronous and API changes, the programming model is pretty much the same.</a:t>
@@ -3235,7 +3615,9 @@
               <a:rPr lang="en-US" baseline="0" dirty="0" smtClean="0"/>
               <a:t> file like .NET</a:t>
             </a:r>
-            <a:endParaRPr lang="en-US" dirty="0"/>
+          </a:p>
+          <a:p>
+            <a:endParaRPr lang="en-US" baseline="0" dirty="0" smtClean="0"/>
           </a:p>
         </p:txBody>
       </p:sp>
@@ -3320,20 +3702,51 @@
           <a:lstStyle/>
           <a:p>
             <a:r>
+              <a:rPr lang="en-US" baseline="0" dirty="0" smtClean="0"/>
+              <a:t>XAML – Extensible Application Markup Language</a:t>
+            </a:r>
+          </a:p>
+          <a:p>
+            <a:endParaRPr lang="en-US" baseline="0" dirty="0" smtClean="0"/>
+          </a:p>
+          <a:p>
+            <a:r>
+              <a:rPr lang="en-US" baseline="0" dirty="0" smtClean="0"/>
+              <a:t>If you have done WPF or Silverlight, you should be familiar with XAML which is a declarative XML-based language also available on Windows Phone, and </a:t>
+            </a:r>
+            <a:r>
+              <a:rPr lang="en-US" baseline="0" dirty="0" err="1" smtClean="0"/>
+              <a:t>WinRT</a:t>
+            </a:r>
+            <a:r>
+              <a:rPr lang="en-US" baseline="0" dirty="0" smtClean="0"/>
+              <a:t>.</a:t>
+            </a:r>
+          </a:p>
+          <a:p>
+            <a:endParaRPr lang="en-US" baseline="0" dirty="0" smtClean="0"/>
+          </a:p>
+          <a:p>
+            <a:r>
+              <a:rPr lang="en-US" baseline="0" dirty="0" smtClean="0"/>
+              <a:t>Although it is a mark up language like HTML, but XAML elements are real objects with properties</a:t>
+            </a:r>
+            <a:endParaRPr lang="en-US" dirty="0" smtClean="0"/>
+          </a:p>
+          <a:p>
+            <a:endParaRPr lang="en-US" dirty="0" smtClean="0"/>
+          </a:p>
+          <a:p>
+            <a:endParaRPr lang="en-US" dirty="0" smtClean="0"/>
+          </a:p>
+          <a:p>
+            <a:r>
               <a:rPr lang="en-US" dirty="0" smtClean="0"/>
               <a:t>When we talk about XAML-based application</a:t>
             </a:r>
             <a:r>
               <a:rPr lang="en-US" baseline="0" dirty="0" smtClean="0"/>
-              <a:t> development and </a:t>
-            </a:r>
-            <a:r>
-              <a:rPr lang="en-US" baseline="0" dirty="0" err="1" smtClean="0"/>
-              <a:t>Caliburn.Micro</a:t>
-            </a:r>
-            <a:r>
-              <a:rPr lang="en-US" baseline="0" dirty="0" smtClean="0"/>
-              <a:t>, we will always hear MVVM.</a:t>
+              <a:t> development and Caliburn.Micro, we will always hear MVVM.</a:t>
             </a:r>
           </a:p>
           <a:p>
@@ -3431,46 +3844,6 @@
           </a:p>
           <a:p>
             <a:endParaRPr lang="en-US" baseline="0" dirty="0" smtClean="0"/>
-          </a:p>
-          <a:p>
-            <a:r>
-              <a:rPr lang="en-US" baseline="0" dirty="0" smtClean="0"/>
-              <a:t>XAML – Extensible Application Markup Language</a:t>
-            </a:r>
-          </a:p>
-          <a:p>
-            <a:endParaRPr lang="en-US" baseline="0" dirty="0" smtClean="0"/>
-          </a:p>
-          <a:p>
-            <a:r>
-              <a:rPr lang="en-US" baseline="0" dirty="0" smtClean="0"/>
-              <a:t>A declarative XML-based language. Available for WPF, </a:t>
-            </a:r>
-            <a:r>
-              <a:rPr lang="en-US" baseline="0" dirty="0" err="1" smtClean="0"/>
-              <a:t>Silveright</a:t>
-            </a:r>
-            <a:r>
-              <a:rPr lang="en-US" baseline="0" dirty="0" smtClean="0"/>
-              <a:t>, Windows Phone, and </a:t>
-            </a:r>
-            <a:r>
-              <a:rPr lang="en-US" baseline="0" dirty="0" err="1" smtClean="0"/>
-              <a:t>WinRT</a:t>
-            </a:r>
-            <a:r>
-              <a:rPr lang="en-US" baseline="0" dirty="0" smtClean="0"/>
-              <a:t>.</a:t>
-            </a:r>
-          </a:p>
-          <a:p>
-            <a:endParaRPr lang="en-US" baseline="0" dirty="0" smtClean="0"/>
-          </a:p>
-          <a:p>
-            <a:r>
-              <a:rPr lang="en-US" baseline="0" dirty="0" smtClean="0"/>
-              <a:t>Although it is a mark up language like HTML, but XAML elements are real objects with properties</a:t>
-            </a:r>
           </a:p>
           <a:p>
             <a:endParaRPr lang="en-US" baseline="0" dirty="0" smtClean="0"/>
@@ -3495,8 +3868,21 @@
             </a:pPr>
             <a:r>
               <a:rPr lang="en-US" baseline="0" dirty="0" smtClean="0"/>
-              <a:t>MVVM is a natural pattern for XAML because of the rich data bindings capabilities</a:t>
-            </a:r>
+              <a:t>MVVM is a natural pattern for XAML because of the rich data bindings </a:t>
+            </a:r>
+            <a:r>
+              <a:rPr lang="en-US" baseline="0" dirty="0" smtClean="0"/>
+              <a:t>capabilities that bind View and </a:t>
+            </a:r>
+            <a:r>
+              <a:rPr lang="en-US" baseline="0" dirty="0" err="1" smtClean="0"/>
+              <a:t>ViewModel</a:t>
+            </a:r>
+            <a:r>
+              <a:rPr lang="en-US" baseline="0" dirty="0" smtClean="0"/>
+              <a:t> loosely.</a:t>
+            </a:r>
+            <a:endParaRPr lang="en-US" baseline="0" dirty="0" smtClean="0"/>
           </a:p>
           <a:p>
             <a:endParaRPr lang="en-US" baseline="0" dirty="0" smtClean="0"/>
@@ -3638,7 +4024,7 @@
             </a:pPr>
             <a:r>
               <a:rPr lang="en-US" baseline="0" dirty="0" smtClean="0"/>
-              <a:t>We know we have model in a data layer or web services somewhere.</a:t>
+              <a:t>We know we should implement model in a data layer or web services somewhere.</a:t>
             </a:r>
           </a:p>
           <a:p>
@@ -3762,11 +4148,7 @@
             </a:r>
             <a:r>
               <a:rPr lang="en-US" baseline="0" dirty="0" smtClean="0"/>
-              <a:t> container (some people called it DI container), </a:t>
-            </a:r>
-            <a:r>
-              <a:rPr lang="en-US" baseline="0" dirty="0" smtClean="0"/>
-              <a:t>Pub/Sub implementation </a:t>
+              <a:t> container (some people called it DI container), Pub/Sub implementation </a:t>
             </a:r>
           </a:p>
           <a:p>
@@ -3891,11 +4273,11 @@
             </a:r>
             <a:r>
               <a:rPr lang="en-US" baseline="0" dirty="0" smtClean="0"/>
-              <a:t> WPF first came out, MVVM pattern was not so widely-known. Early adopters were trying to leverage data bindings and commands effectively. </a:t>
+              <a:t> WPF first came out (2006?), MVVM pattern was not so widely-known. Early adopters were trying to leverage data bindings and commands effectively. </a:t>
             </a:r>
             <a:r>
               <a:rPr lang="en-US" dirty="0" smtClean="0"/>
-              <a:t>He comes up with </a:t>
+              <a:t>Rob came up with </a:t>
             </a:r>
             <a:r>
               <a:rPr lang="en-US" dirty="0" err="1" smtClean="0"/>
@@ -3940,7 +4322,7 @@
             </a:r>
             <a:r>
               <a:rPr lang="en-US" baseline="0" dirty="0" smtClean="0"/>
-              <a:t>, etc. and he presented these concept in a very light framework at his session, “Build Your Own MVVM Framework” at MIX 2010.</a:t>
+              <a:t>, etc. and he presented these concepts in a demo framework at his session, “Build Your Own MVVM Framework” at MIX 2010.</a:t>
             </a:r>
           </a:p>
           <a:p>
@@ -3992,8 +4374,13 @@
           <a:p>
             <a:r>
               <a:rPr lang="en-US" baseline="0" dirty="0" smtClean="0"/>
-              <a:t>Although, breaking API changes are expected with version 2.0, many concepts that I will be talking about today should work the same.</a:t>
-            </a:r>
+              <a:t>Although, breaking API changes are expected with version 2.0, many concepts that I will be talking about today should </a:t>
+            </a:r>
+            <a:r>
+              <a:rPr lang="en-US" baseline="0" dirty="0" smtClean="0"/>
+              <a:t>note change.</a:t>
+            </a:r>
+            <a:endParaRPr lang="en-US" baseline="0" dirty="0" smtClean="0"/>
           </a:p>
           <a:p>
             <a:endParaRPr lang="en-US" baseline="0" dirty="0" smtClean="0"/>
@@ -5257,7 +5644,7 @@
           <a:p>
             <a:fld id="{F8A3096A-6439-4F5A-A4AC-F7B1E2232E51}" type="datetimeFigureOut">
               <a:rPr lang="en-US" smtClean="0"/>
-              <a:t>11/12/2013</a:t>
+              <a:t>11/13/2013</a:t>
             </a:fld>
             <a:endParaRPr lang="en-US"/>
           </a:p>
@@ -5432,7 +5819,7 @@
           <a:p>
             <a:fld id="{F8A3096A-6439-4F5A-A4AC-F7B1E2232E51}" type="datetimeFigureOut">
               <a:rPr lang="en-US" smtClean="0"/>
-              <a:t>11/12/2013</a:t>
+              <a:t>11/13/2013</a:t>
             </a:fld>
             <a:endParaRPr lang="en-US"/>
           </a:p>
@@ -5686,7 +6073,7 @@
           <a:p>
             <a:fld id="{F8A3096A-6439-4F5A-A4AC-F7B1E2232E51}" type="datetimeFigureOut">
               <a:rPr lang="en-US" smtClean="0"/>
-              <a:t>11/12/2013</a:t>
+              <a:t>11/13/2013</a:t>
             </a:fld>
             <a:endParaRPr lang="en-US"/>
           </a:p>
@@ -5878,7 +6265,7 @@
           <a:p>
             <a:fld id="{F8A3096A-6439-4F5A-A4AC-F7B1E2232E51}" type="datetimeFigureOut">
               <a:rPr lang="en-US" smtClean="0"/>
-              <a:t>11/12/2013</a:t>
+              <a:t>11/13/2013</a:t>
             </a:fld>
             <a:endParaRPr lang="en-US"/>
           </a:p>
@@ -6215,7 +6602,7 @@
           <a:p>
             <a:fld id="{F8A3096A-6439-4F5A-A4AC-F7B1E2232E51}" type="datetimeFigureOut">
               <a:rPr lang="en-US" smtClean="0"/>
-              <a:t>11/12/2013</a:t>
+              <a:t>11/13/2013</a:t>
             </a:fld>
             <a:endParaRPr lang="en-US"/>
           </a:p>
@@ -6524,7 +6911,7 @@
           <a:p>
             <a:fld id="{F8A3096A-6439-4F5A-A4AC-F7B1E2232E51}" type="datetimeFigureOut">
               <a:rPr lang="en-US" smtClean="0"/>
-              <a:t>11/12/2013</a:t>
+              <a:t>11/13/2013</a:t>
             </a:fld>
             <a:endParaRPr lang="en-US"/>
           </a:p>
@@ -6982,7 +7369,7 @@
           <a:p>
             <a:fld id="{F8A3096A-6439-4F5A-A4AC-F7B1E2232E51}" type="datetimeFigureOut">
               <a:rPr lang="en-US" smtClean="0"/>
-              <a:t>11/12/2013</a:t>
+              <a:t>11/13/2013</a:t>
             </a:fld>
             <a:endParaRPr lang="en-US"/>
           </a:p>
@@ -7136,7 +7523,7 @@
           <a:p>
             <a:fld id="{F8A3096A-6439-4F5A-A4AC-F7B1E2232E51}" type="datetimeFigureOut">
               <a:rPr lang="en-US" smtClean="0"/>
-              <a:t>11/12/2013</a:t>
+              <a:t>11/13/2013</a:t>
             </a:fld>
             <a:endParaRPr lang="en-US"/>
           </a:p>
@@ -7262,7 +7649,7 @@
           <a:p>
             <a:fld id="{F8A3096A-6439-4F5A-A4AC-F7B1E2232E51}" type="datetimeFigureOut">
               <a:rPr lang="en-US" smtClean="0"/>
-              <a:t>11/12/2013</a:t>
+              <a:t>11/13/2013</a:t>
             </a:fld>
             <a:endParaRPr lang="en-US"/>
           </a:p>
@@ -7547,7 +7934,7 @@
           <a:p>
             <a:fld id="{F8A3096A-6439-4F5A-A4AC-F7B1E2232E51}" type="datetimeFigureOut">
               <a:rPr lang="en-US" smtClean="0"/>
-              <a:t>11/12/2013</a:t>
+              <a:t>11/13/2013</a:t>
             </a:fld>
             <a:endParaRPr lang="en-US"/>
           </a:p>
@@ -7848,7 +8235,7 @@
           <a:p>
             <a:fld id="{F8A3096A-6439-4F5A-A4AC-F7B1E2232E51}" type="datetimeFigureOut">
               <a:rPr lang="en-US" smtClean="0"/>
-              <a:t>11/12/2013</a:t>
+              <a:t>11/13/2013</a:t>
             </a:fld>
             <a:endParaRPr lang="en-US"/>
           </a:p>
@@ -8128,7 +8515,7 @@
           <a:p>
             <a:fld id="{F8A3096A-6439-4F5A-A4AC-F7B1E2232E51}" type="datetimeFigureOut">
               <a:rPr lang="en-US" smtClean="0"/>
-              <a:t>11/12/2013</a:t>
+              <a:t>11/13/2013</a:t>
             </a:fld>
             <a:endParaRPr lang="en-US"/>
           </a:p>
@@ -9051,83 +9438,58 @@
                 <a:latin typeface="Segoe UI Light" panose="020B0502040204020203" pitchFamily="34" charset="0"/>
                 <a:cs typeface="Segoe UI Light" panose="020B0502040204020203" pitchFamily="34" charset="0"/>
               </a:rPr>
-              <a:t>How </a:t>
+              <a:t>How does </a:t>
+            </a:r>
+            <a:r>
+              <a:rPr lang="en-US" dirty="0" err="1" smtClean="0">
+                <a:latin typeface="Segoe UI Light" panose="020B0502040204020203" pitchFamily="34" charset="0"/>
+                <a:cs typeface="Segoe UI Light" panose="020B0502040204020203" pitchFamily="34" charset="0"/>
+              </a:rPr>
+              <a:t>Caliburn.Micro</a:t>
             </a:r>
             <a:r>
               <a:rPr lang="en-US" dirty="0" smtClean="0">
                 <a:latin typeface="Segoe UI Light" panose="020B0502040204020203" pitchFamily="34" charset="0"/>
                 <a:cs typeface="Segoe UI Light" panose="020B0502040204020203" pitchFamily="34" charset="0"/>
               </a:rPr>
-              <a:t>does </a:t>
+              <a:t> knows that </a:t>
             </a:r>
             <a:r>
               <a:rPr lang="en-US" dirty="0" err="1" smtClean="0">
                 <a:latin typeface="Segoe UI Light" panose="020B0502040204020203" pitchFamily="34" charset="0"/>
                 <a:cs typeface="Segoe UI Light" panose="020B0502040204020203" pitchFamily="34" charset="0"/>
               </a:rPr>
-              <a:t>Caliburn.Micro</a:t>
+              <a:t>PlayerName</a:t>
             </a:r>
             <a:r>
               <a:rPr lang="en-US" dirty="0" smtClean="0">
                 <a:latin typeface="Segoe UI Light" panose="020B0502040204020203" pitchFamily="34" charset="0"/>
                 <a:cs typeface="Segoe UI Light" panose="020B0502040204020203" pitchFamily="34" charset="0"/>
               </a:rPr>
-              <a:t> </a:t>
+              <a:t> should be bound to </a:t>
+            </a:r>
+            <a:r>
+              <a:rPr lang="en-US" dirty="0" err="1" smtClean="0">
+                <a:latin typeface="Segoe UI Light" panose="020B0502040204020203" pitchFamily="34" charset="0"/>
+                <a:cs typeface="Segoe UI Light" panose="020B0502040204020203" pitchFamily="34" charset="0"/>
+              </a:rPr>
+              <a:t>TextBlock.Text</a:t>
             </a:r>
             <a:r>
               <a:rPr lang="en-US" dirty="0" smtClean="0">
                 <a:latin typeface="Segoe UI Light" panose="020B0502040204020203" pitchFamily="34" charset="0"/>
                 <a:cs typeface="Segoe UI Light" panose="020B0502040204020203" pitchFamily="34" charset="0"/>
               </a:rPr>
-              <a:t>knows that </a:t>
-            </a:r>
-            <a:r>
-              <a:rPr lang="en-US" dirty="0" err="1" smtClean="0">
-                <a:latin typeface="Segoe UI Light" panose="020B0502040204020203" pitchFamily="34" charset="0"/>
-                <a:cs typeface="Segoe UI Light" panose="020B0502040204020203" pitchFamily="34" charset="0"/>
-              </a:rPr>
-              <a:t>PlayerName</a:t>
-            </a:r>
+              <a:t>?</a:t>
+            </a:r>
+          </a:p>
+          <a:p>
             <a:r>
               <a:rPr lang="en-US" dirty="0" smtClean="0">
                 <a:latin typeface="Segoe UI Light" panose="020B0502040204020203" pitchFamily="34" charset="0"/>
                 <a:cs typeface="Segoe UI Light" panose="020B0502040204020203" pitchFamily="34" charset="0"/>
               </a:rPr>
-              <a:t> should be bound to </a:t>
-            </a:r>
-            <a:r>
-              <a:rPr lang="en-US" dirty="0" err="1" smtClean="0">
-                <a:latin typeface="Segoe UI Light" panose="020B0502040204020203" pitchFamily="34" charset="0"/>
-                <a:cs typeface="Segoe UI Light" panose="020B0502040204020203" pitchFamily="34" charset="0"/>
-              </a:rPr>
-              <a:t>TextBlock.Text</a:t>
-            </a:r>
-            <a:r>
-              <a:rPr lang="en-US" dirty="0" smtClean="0">
-                <a:latin typeface="Segoe UI Light" panose="020B0502040204020203" pitchFamily="34" charset="0"/>
-                <a:cs typeface="Segoe UI Light" panose="020B0502040204020203" pitchFamily="34" charset="0"/>
-              </a:rPr>
-              <a:t>?</a:t>
-            </a:r>
-            <a:endParaRPr lang="en-US" dirty="0" smtClean="0">
-              <a:latin typeface="Segoe UI Light" panose="020B0502040204020203" pitchFamily="34" charset="0"/>
-              <a:cs typeface="Segoe UI Light" panose="020B0502040204020203" pitchFamily="34" charset="0"/>
-            </a:endParaRPr>
-          </a:p>
-          <a:p>
-            <a:r>
-              <a:rPr lang="en-US" dirty="0" smtClean="0">
-                <a:latin typeface="Segoe UI Light" panose="020B0502040204020203" pitchFamily="34" charset="0"/>
-                <a:cs typeface="Segoe UI Light" panose="020B0502040204020203" pitchFamily="34" charset="0"/>
-              </a:rPr>
-              <a:t>If </a:t>
-            </a:r>
-            <a:r>
-              <a:rPr lang="en-US" dirty="0" smtClean="0">
-                <a:latin typeface="Segoe UI Light" panose="020B0502040204020203" pitchFamily="34" charset="0"/>
-                <a:cs typeface="Segoe UI Light" panose="020B0502040204020203" pitchFamily="34" charset="0"/>
-              </a:rPr>
-              <a:t>you don’t like the default conventions?</a:t>
+              <a:t>If you don’t like the default conventions?</a:t>
             </a:r>
           </a:p>
           <a:p>
@@ -14124,21 +14486,7 @@
                 <a:latin typeface="Segoe UI Light" panose="020B0502040204020203" pitchFamily="34" charset="0"/>
                 <a:cs typeface="Segoe UI Light" panose="020B0502040204020203" pitchFamily="34" charset="0"/>
               </a:rPr>
-              <a:t>, sponsors, </a:t>
-            </a:r>
-            <a:r>
-              <a:rPr lang="en-US" dirty="0" smtClean="0">
-                <a:latin typeface="Segoe UI Light" panose="020B0502040204020203" pitchFamily="34" charset="0"/>
-                <a:cs typeface="Segoe UI Light" panose="020B0502040204020203" pitchFamily="34" charset="0"/>
-              </a:rPr>
-              <a:t>and </a:t>
-            </a:r>
-            <a:r>
-              <a:rPr lang="en-US" dirty="0" smtClean="0">
-                <a:latin typeface="Segoe UI Light" panose="020B0502040204020203" pitchFamily="34" charset="0"/>
-                <a:cs typeface="Segoe UI Light" panose="020B0502040204020203" pitchFamily="34" charset="0"/>
-              </a:rPr>
-              <a:t>everyone for attending my talk!</a:t>
+              <a:t>, sponsors, and everyone for attending my talk!</a:t>
             </a:r>
           </a:p>
           <a:p>
@@ -14428,7 +14776,7 @@
         </p:nvSpPr>
         <p:spPr>
           <a:xfrm>
-            <a:off x="8706331" y="5099883"/>
+            <a:off x="8844880" y="5099883"/>
             <a:ext cx="3047175" cy="1142254"/>
           </a:xfrm>
           <a:prstGeom prst="rect">
@@ -14658,6 +15006,9 @@
             </a:lvl9pPr>
           </a:lstStyle>
           <a:p>
+            <a:pPr marL="0" indent="0">
+              <a:buNone/>
+            </a:pPr>
             <a:r>
               <a:rPr lang="en-US" dirty="0" smtClean="0">
                 <a:latin typeface="Segoe UI Light" panose="020B0502040204020203" pitchFamily="34" charset="0"/>
@@ -14678,6 +15029,9 @@
             </a:endParaRPr>
           </a:p>
           <a:p>
+            <a:pPr marL="0" indent="0">
+              <a:buNone/>
+            </a:pPr>
             <a:r>
               <a:rPr lang="en-US" dirty="0" smtClean="0">
                 <a:solidFill>
@@ -14698,6 +15052,9 @@
             </a:endParaRPr>
           </a:p>
           <a:p>
+            <a:pPr marL="0" indent="0">
+              <a:buNone/>
+            </a:pPr>
             <a:r>
               <a:rPr lang="en-US" dirty="0" smtClean="0">
                 <a:latin typeface="Segoe UI Light" panose="020B0502040204020203" pitchFamily="34" charset="0"/>
@@ -14925,7 +15282,7 @@
                 <a:latin typeface="Segoe UI Light" panose="020B0502040204020203" pitchFamily="34" charset="0"/>
                 <a:cs typeface="Segoe UI Light" panose="020B0502040204020203" pitchFamily="34" charset="0"/>
               </a:rPr>
-              <a:t>MVVM and XAML</a:t>
+              <a:t>XAML and MVVM</a:t>
             </a:r>
           </a:p>
           <a:p>
@@ -17802,7 +18159,7 @@
                 <a:latin typeface="Segoe UI Light" panose="020B0502040204020203" pitchFamily="34" charset="0"/>
                 <a:cs typeface="Segoe UI Light" panose="020B0502040204020203" pitchFamily="34" charset="0"/>
               </a:rPr>
-              <a:t>MVVM &amp; XAML</a:t>
+              <a:t>XAML &amp; MVVM</a:t>
             </a:r>
             <a:endParaRPr lang="en-US" dirty="0">
               <a:latin typeface="Segoe UI Light" panose="020B0502040204020203" pitchFamily="34" charset="0"/>
@@ -17829,18 +18186,32 @@
           <a:lstStyle/>
           <a:p>
             <a:r>
+              <a:rPr lang="en-US" dirty="0">
+                <a:latin typeface="Segoe UI Light" panose="020B0502040204020203" pitchFamily="34" charset="0"/>
+                <a:cs typeface="Segoe UI Light" panose="020B0502040204020203" pitchFamily="34" charset="0"/>
+              </a:rPr>
+              <a:t>XAML – </a:t>
+            </a:r>
+            <a:r>
+              <a:rPr lang="en-US" dirty="0" err="1" smtClean="0">
+                <a:latin typeface="Segoe UI Light" panose="020B0502040204020203" pitchFamily="34" charset="0"/>
+                <a:cs typeface="Segoe UI Light" panose="020B0502040204020203" pitchFamily="34" charset="0"/>
+              </a:rPr>
+              <a:t>eXtensible</a:t>
+            </a:r>
+            <a:r>
               <a:rPr lang="en-US" dirty="0" smtClean="0">
                 <a:latin typeface="Segoe UI Light" panose="020B0502040204020203" pitchFamily="34" charset="0"/>
                 <a:cs typeface="Segoe UI Light" panose="020B0502040204020203" pitchFamily="34" charset="0"/>
               </a:rPr>
-              <a:t>Model-View-</a:t>
-            </a:r>
-            <a:r>
-              <a:rPr lang="en-US" dirty="0" err="1" smtClean="0">
-                <a:latin typeface="Segoe UI Light" panose="020B0502040204020203" pitchFamily="34" charset="0"/>
-                <a:cs typeface="Segoe UI Light" panose="020B0502040204020203" pitchFamily="34" charset="0"/>
-              </a:rPr>
-              <a:t>ViewModel</a:t>
+              <a:t> </a:t>
+            </a:r>
+            <a:r>
+              <a:rPr lang="en-US" dirty="0">
+                <a:latin typeface="Segoe UI Light" panose="020B0502040204020203" pitchFamily="34" charset="0"/>
+                <a:cs typeface="Segoe UI Light" panose="020B0502040204020203" pitchFamily="34" charset="0"/>
+              </a:rPr>
+              <a:t>Application Markup Language </a:t>
             </a:r>
             <a:endParaRPr lang="en-US" dirty="0" smtClean="0">
               <a:latin typeface="Segoe UI Light" panose="020B0502040204020203" pitchFamily="34" charset="0"/>
@@ -17849,12 +18220,23 @@
           </a:p>
           <a:p>
             <a:r>
-              <a:rPr lang="en-US" dirty="0">
-                <a:latin typeface="Segoe UI Light" panose="020B0502040204020203" pitchFamily="34" charset="0"/>
-                <a:cs typeface="Segoe UI Light" panose="020B0502040204020203" pitchFamily="34" charset="0"/>
-              </a:rPr>
-              <a:t>XAML – Extensible Application Markup Language</a:t>
-            </a:r>
+              <a:rPr lang="en-US" dirty="0" smtClean="0">
+                <a:latin typeface="Segoe UI Light" panose="020B0502040204020203" pitchFamily="34" charset="0"/>
+                <a:cs typeface="Segoe UI Light" panose="020B0502040204020203" pitchFamily="34" charset="0"/>
+              </a:rPr>
+              <a:t>Model-View-</a:t>
+            </a:r>
+            <a:r>
+              <a:rPr lang="en-US" dirty="0" err="1" smtClean="0">
+                <a:latin typeface="Segoe UI Light" panose="020B0502040204020203" pitchFamily="34" charset="0"/>
+                <a:cs typeface="Segoe UI Light" panose="020B0502040204020203" pitchFamily="34" charset="0"/>
+              </a:rPr>
+              <a:t>ViewModel</a:t>
+            </a:r>
+            <a:endParaRPr lang="en-US" dirty="0">
+              <a:latin typeface="Segoe UI Light" panose="020B0502040204020203" pitchFamily="34" charset="0"/>
+              <a:cs typeface="Segoe UI Light" panose="020B0502040204020203" pitchFamily="34" charset="0"/>
+            </a:endParaRPr>
           </a:p>
           <a:p>
             <a:r>
@@ -18313,7 +18695,7 @@
                   <a:latin typeface="Segoe UI Light" panose="020B0502040204020203" pitchFamily="34" charset="0"/>
                   <a:cs typeface="Segoe UI Light" panose="020B0502040204020203" pitchFamily="34" charset="0"/>
                 </a:rPr>
-                <a:t>View</a:t>
+                <a:t>View (XAML)</a:t>
               </a:r>
               <a:endParaRPr lang="en-US" dirty="0">
                 <a:latin typeface="Segoe UI Light" panose="020B0502040204020203" pitchFamily="34" charset="0"/>
@@ -18737,7 +19119,7 @@
                                           </p:stCondLst>
                                         </p:cTn>
                                         <p:tgtEl>
-                                          <p:spTgt spid="31"/>
+                                          <p:spTgt spid="37"/>
                                         </p:tgtEl>
                                         <p:attrNameLst>
                                           <p:attrName>style.visibility</p:attrName>
@@ -18751,7 +19133,7 @@
                                       <p:cBhvr>
                                         <p:cTn id="10" dur="500"/>
                                         <p:tgtEl>
-                                          <p:spTgt spid="31"/>
+                                          <p:spTgt spid="37"/>
                                         </p:tgtEl>
                                       </p:cBhvr>
                                     </p:animEffect>
@@ -18820,55 +19202,20 @@
                                 </p:cTn>
                               </p:par>
                               <p:par>
-                                <p:cTn id="16" presetID="14" presetClass="exit" presetSubtype="10" fill="hold" nodeType="withEffect">
-                                  <p:stCondLst>
-                                    <p:cond delay="0"/>
-                                  </p:stCondLst>
-                                  <p:childTnLst>
-                                    <p:animEffect transition="out" filter="randombar(horizontal)">
-                                      <p:cBhvr>
-                                        <p:cTn id="17" dur="500"/>
-                                        <p:tgtEl>
-                                          <p:spTgt spid="31"/>
-                                        </p:tgtEl>
-                                      </p:cBhvr>
-                                    </p:animEffect>
-                                    <p:set>
-                                      <p:cBhvr>
-                                        <p:cTn id="18" dur="1" fill="hold">
-                                          <p:stCondLst>
-                                            <p:cond delay="499"/>
-                                          </p:stCondLst>
-                                        </p:cTn>
-                                        <p:tgtEl>
-                                          <p:spTgt spid="31"/>
-                                        </p:tgtEl>
-                                        <p:attrNameLst>
-                                          <p:attrName>style.visibility</p:attrName>
-                                        </p:attrNameLst>
-                                      </p:cBhvr>
-                                      <p:to>
-                                        <p:strVal val="hidden"/>
-                                      </p:to>
-                                    </p:set>
-                                  </p:childTnLst>
-                                </p:cTn>
-                              </p:par>
-                              <p:par>
-                                <p:cTn id="19" presetID="14" presetClass="entr" presetSubtype="10" fill="hold" nodeType="withEffect">
+                                <p:cTn id="16" presetID="14" presetClass="entr" presetSubtype="10" fill="hold" nodeType="withEffect">
                                   <p:stCondLst>
                                     <p:cond delay="0"/>
                                   </p:stCondLst>
                                   <p:childTnLst>
                                     <p:set>
                                       <p:cBhvr>
-                                        <p:cTn id="20" dur="1" fill="hold">
+                                        <p:cTn id="17" dur="1" fill="hold">
                                           <p:stCondLst>
                                             <p:cond delay="0"/>
                                           </p:stCondLst>
                                         </p:cTn>
                                         <p:tgtEl>
-                                          <p:spTgt spid="37"/>
+                                          <p:spTgt spid="31"/>
                                         </p:tgtEl>
                                         <p:attrNameLst>
                                           <p:attrName>style.visibility</p:attrName>
@@ -18880,12 +19227,47 @@
                                     </p:set>
                                     <p:animEffect transition="in" filter="randombar(horizontal)">
                                       <p:cBhvr>
-                                        <p:cTn id="21" dur="500"/>
+                                        <p:cTn id="18" dur="500"/>
+                                        <p:tgtEl>
+                                          <p:spTgt spid="31"/>
+                                        </p:tgtEl>
+                                      </p:cBhvr>
+                                    </p:animEffect>
+                                  </p:childTnLst>
+                                </p:cTn>
+                              </p:par>
+                              <p:par>
+                                <p:cTn id="19" presetID="14" presetClass="exit" presetSubtype="10" fill="hold" nodeType="withEffect">
+                                  <p:stCondLst>
+                                    <p:cond delay="0"/>
+                                  </p:stCondLst>
+                                  <p:childTnLst>
+                                    <p:animEffect transition="out" filter="randombar(horizontal)">
+                                      <p:cBhvr>
+                                        <p:cTn id="20" dur="500"/>
                                         <p:tgtEl>
                                           <p:spTgt spid="37"/>
                                         </p:tgtEl>
                                       </p:cBhvr>
                                     </p:animEffect>
+                                    <p:set>
+                                      <p:cBhvr>
+                                        <p:cTn id="21" dur="1" fill="hold">
+                                          <p:stCondLst>
+                                            <p:cond delay="499"/>
+                                          </p:stCondLst>
+                                        </p:cTn>
+                                        <p:tgtEl>
+                                          <p:spTgt spid="37"/>
+                                        </p:tgtEl>
+                                        <p:attrNameLst>
+                                          <p:attrName>style.visibility</p:attrName>
+                                        </p:attrNameLst>
+                                      </p:cBhvr>
+                                      <p:to>
+                                        <p:strVal val="hidden"/>
+                                      </p:to>
+                                    </p:set>
                                   </p:childTnLst>
                                 </p:cTn>
                               </p:par>
@@ -18960,7 +19342,7 @@
                                       <p:cBhvr>
                                         <p:cTn id="28" dur="500"/>
                                         <p:tgtEl>
-                                          <p:spTgt spid="37"/>
+                                          <p:spTgt spid="31"/>
                                         </p:tgtEl>
                                       </p:cBhvr>
                                     </p:animEffect>
@@ -18972,7 +19354,7 @@
                                           </p:stCondLst>
                                         </p:cTn>
                                         <p:tgtEl>
-                                          <p:spTgt spid="37"/>
+                                          <p:spTgt spid="31"/>
                                         </p:tgtEl>
                                         <p:attrNameLst>
                                           <p:attrName>style.visibility</p:attrName>
@@ -19199,7 +19581,7 @@
       </p:grpSpPr>
       <p:pic>
         <p:nvPicPr>
-          <p:cNvPr id="9" name="Picture 8"/>
+          <p:cNvPr id="6" name="Picture 5"/>
           <p:cNvPicPr>
             <a:picLocks noChangeAspect="1"/>
           </p:cNvPicPr>
@@ -19213,8 +19595,8 @@
         </p:blipFill>
         <p:spPr>
           <a:xfrm>
-            <a:off x="5915092" y="3414712"/>
-            <a:ext cx="6143932" cy="1590067"/>
+            <a:off x="6327530" y="3418355"/>
+            <a:ext cx="5488404" cy="1395758"/>
           </a:xfrm>
           <a:prstGeom prst="rect">
             <a:avLst/>
@@ -19273,6 +19655,44 @@
           </a:fontRef>
         </p:style>
       </p:pic>
+      <p:pic>
+        <p:nvPicPr>
+          <p:cNvPr id="4" name="Picture 3"/>
+          <p:cNvPicPr>
+            <a:picLocks noChangeAspect="1"/>
+          </p:cNvPicPr>
+          <p:nvPr/>
+        </p:nvPicPr>
+        <p:blipFill>
+          <a:blip r:embed="rId5"/>
+          <a:stretch>
+            <a:fillRect/>
+          </a:stretch>
+        </p:blipFill>
+        <p:spPr>
+          <a:xfrm>
+            <a:off x="6903028" y="2508806"/>
+            <a:ext cx="4490568" cy="3592454"/>
+          </a:xfrm>
+          <a:prstGeom prst="rect">
+            <a:avLst/>
+          </a:prstGeom>
+        </p:spPr>
+        <p:style>
+          <a:lnRef idx="0">
+            <a:schemeClr val="dk1"/>
+          </a:lnRef>
+          <a:fillRef idx="3">
+            <a:schemeClr val="dk1"/>
+          </a:fillRef>
+          <a:effectRef idx="3">
+            <a:schemeClr val="dk1"/>
+          </a:effectRef>
+          <a:fontRef idx="minor">
+            <a:schemeClr val="lt1"/>
+          </a:fontRef>
+        </p:style>
+      </p:pic>
       <p:sp>
         <p:nvSpPr>
           <p:cNvPr id="2" name="Title 1"/>
@@ -19378,19 +19798,8 @@
                 <a:latin typeface="Segoe UI Light" panose="020B0502040204020203" pitchFamily="34" charset="0"/>
                 <a:cs typeface="Segoe UI Light" panose="020B0502040204020203" pitchFamily="34" charset="0"/>
               </a:rPr>
-              <a:t>Dependency Injection </a:t>
-            </a:r>
-            <a:r>
-              <a:rPr lang="en-US" dirty="0" smtClean="0">
-                <a:latin typeface="Segoe UI Light" panose="020B0502040204020203" pitchFamily="34" charset="0"/>
-                <a:cs typeface="Segoe UI Light" panose="020B0502040204020203" pitchFamily="34" charset="0"/>
-              </a:rPr>
-              <a:t>container</a:t>
-            </a:r>
-            <a:endParaRPr lang="en-US" dirty="0" smtClean="0">
-              <a:latin typeface="Segoe UI Light" panose="020B0502040204020203" pitchFamily="34" charset="0"/>
-              <a:cs typeface="Segoe UI Light" panose="020B0502040204020203" pitchFamily="34" charset="0"/>
-            </a:endParaRPr>
+              <a:t>Dependency Injection container</a:t>
+            </a:r>
           </a:p>
           <a:p>
             <a:pPr lvl="1"/>
@@ -19453,44 +19862,6 @@
           </a:p>
         </p:txBody>
       </p:sp>
-      <p:pic>
-        <p:nvPicPr>
-          <p:cNvPr id="6" name="Picture 5"/>
-          <p:cNvPicPr>
-            <a:picLocks noChangeAspect="1"/>
-          </p:cNvPicPr>
-          <p:nvPr/>
-        </p:nvPicPr>
-        <p:blipFill>
-          <a:blip r:embed="rId5"/>
-          <a:stretch>
-            <a:fillRect/>
-          </a:stretch>
-        </p:blipFill>
-        <p:spPr>
-          <a:xfrm>
-            <a:off x="6327530" y="3418355"/>
-            <a:ext cx="5488404" cy="1395758"/>
-          </a:xfrm>
-          <a:prstGeom prst="rect">
-            <a:avLst/>
-          </a:prstGeom>
-        </p:spPr>
-        <p:style>
-          <a:lnRef idx="0">
-            <a:schemeClr val="dk1"/>
-          </a:lnRef>
-          <a:fillRef idx="3">
-            <a:schemeClr val="dk1"/>
-          </a:fillRef>
-          <a:effectRef idx="3">
-            <a:schemeClr val="dk1"/>
-          </a:effectRef>
-          <a:fontRef idx="minor">
-            <a:schemeClr val="lt1"/>
-          </a:fontRef>
-        </p:style>
-      </p:pic>
       <p:grpSp>
         <p:nvGrpSpPr>
           <p:cNvPr id="28" name="Group 27"/>
@@ -19544,7 +19915,7 @@
                   <a:latin typeface="Segoe UI Light" panose="020B0502040204020203" pitchFamily="34" charset="0"/>
                   <a:cs typeface="Segoe UI Light" panose="020B0502040204020203" pitchFamily="34" charset="0"/>
                 </a:rPr>
-                <a:t>View</a:t>
+                <a:t>View (XAML)</a:t>
               </a:r>
               <a:endParaRPr lang="en-US" dirty="0">
                 <a:latin typeface="Segoe UI Light" panose="020B0502040204020203" pitchFamily="34" charset="0"/>
@@ -19889,7 +20260,7 @@
         </p:nvGrpSpPr>
         <p:grpSpPr>
           <a:xfrm>
-            <a:off x="7189179" y="2644435"/>
+            <a:off x="7189179" y="2565605"/>
             <a:ext cx="4200309" cy="3450607"/>
             <a:chOff x="6610961" y="2427165"/>
             <a:chExt cx="4200309" cy="3450607"/>
@@ -23010,7 +23381,7 @@
       </p:grpSp>
       <p:pic>
         <p:nvPicPr>
-          <p:cNvPr id="4" name="Picture 3"/>
+          <p:cNvPr id="5" name="Picture 4"/>
           <p:cNvPicPr>
             <a:picLocks noChangeAspect="1"/>
           </p:cNvPicPr>
@@ -23024,8 +23395,47 @@
         </p:blipFill>
         <p:spPr>
           <a:xfrm>
-            <a:off x="6903028" y="2508806"/>
-            <a:ext cx="4490568" cy="3592454"/>
+            <a:off x="6054707" y="2705228"/>
+            <a:ext cx="5894085" cy="1186005"/>
+          </a:xfrm>
+          <a:prstGeom prst="rect">
+            <a:avLst/>
+          </a:prstGeom>
+          <a:ln/>
+        </p:spPr>
+        <p:style>
+          <a:lnRef idx="0">
+            <a:schemeClr val="dk1"/>
+          </a:lnRef>
+          <a:fillRef idx="3">
+            <a:schemeClr val="dk1"/>
+          </a:fillRef>
+          <a:effectRef idx="3">
+            <a:schemeClr val="dk1"/>
+          </a:effectRef>
+          <a:fontRef idx="minor">
+            <a:schemeClr val="lt1"/>
+          </a:fontRef>
+        </p:style>
+      </p:pic>
+      <p:pic>
+        <p:nvPicPr>
+          <p:cNvPr id="9" name="Picture 8"/>
+          <p:cNvPicPr>
+            <a:picLocks noChangeAspect="1"/>
+          </p:cNvPicPr>
+          <p:nvPr/>
+        </p:nvPicPr>
+        <p:blipFill>
+          <a:blip r:embed="rId7"/>
+          <a:stretch>
+            <a:fillRect/>
+          </a:stretch>
+        </p:blipFill>
+        <p:spPr>
+          <a:xfrm>
+            <a:off x="5915092" y="4281833"/>
+            <a:ext cx="6143932" cy="1590067"/>
           </a:xfrm>
           <a:prstGeom prst="rect">
             <a:avLst/>
@@ -23495,6 +23905,41 @@
                                   </p:childTnLst>
                                 </p:cTn>
                               </p:par>
+                              <p:par>
+                                <p:cTn id="40" presetID="14" presetClass="entr" presetSubtype="10" fill="hold" nodeType="withEffect">
+                                  <p:stCondLst>
+                                    <p:cond delay="0"/>
+                                  </p:stCondLst>
+                                  <p:childTnLst>
+                                    <p:set>
+                                      <p:cBhvr>
+                                        <p:cTn id="41" dur="1" fill="hold">
+                                          <p:stCondLst>
+                                            <p:cond delay="0"/>
+                                          </p:stCondLst>
+                                        </p:cTn>
+                                        <p:tgtEl>
+                                          <p:spTgt spid="5"/>
+                                        </p:tgtEl>
+                                        <p:attrNameLst>
+                                          <p:attrName>style.visibility</p:attrName>
+                                        </p:attrNameLst>
+                                      </p:cBhvr>
+                                      <p:to>
+                                        <p:strVal val="visible"/>
+                                      </p:to>
+                                    </p:set>
+                                    <p:animEffect transition="in" filter="randombar(horizontal)">
+                                      <p:cBhvr>
+                                        <p:cTn id="42" dur="500"/>
+                                        <p:tgtEl>
+                                          <p:spTgt spid="5"/>
+                                        </p:tgtEl>
+                                      </p:cBhvr>
+                                    </p:animEffect>
+                                  </p:childTnLst>
+                                </p:cTn>
+                              </p:par>
                             </p:childTnLst>
                           </p:cTn>
                         </p:par>
@@ -23502,26 +23947,26 @@
                     </p:cTn>
                   </p:par>
                   <p:par>
-                    <p:cTn id="40" fill="hold">
+                    <p:cTn id="43" fill="hold">
                       <p:stCondLst>
                         <p:cond delay="indefinite"/>
                       </p:stCondLst>
                       <p:childTnLst>
                         <p:par>
-                          <p:cTn id="41" fill="hold">
+                          <p:cTn id="44" fill="hold">
                             <p:stCondLst>
                               <p:cond delay="0"/>
                             </p:stCondLst>
                             <p:childTnLst>
                               <p:par>
-                                <p:cTn id="42" presetID="14" presetClass="entr" presetSubtype="10" fill="hold" nodeType="clickEffect">
+                                <p:cTn id="45" presetID="14" presetClass="entr" presetSubtype="10" fill="hold" nodeType="clickEffect">
                                   <p:stCondLst>
                                     <p:cond delay="0"/>
                                   </p:stCondLst>
                                   <p:childTnLst>
                                     <p:set>
                                       <p:cBhvr>
-                                        <p:cTn id="43" dur="1" fill="hold">
+                                        <p:cTn id="46" dur="1" fill="hold">
                                           <p:stCondLst>
                                             <p:cond delay="0"/>
                                           </p:stCondLst>
@@ -23543,54 +23988,11 @@
                                     </p:set>
                                     <p:animEffect transition="in" filter="randombar(horizontal)">
                                       <p:cBhvr>
-                                        <p:cTn id="44" dur="500"/>
+                                        <p:cTn id="47" dur="500"/>
                                         <p:tgtEl>
                                           <p:spTgt spid="3">
                                             <p:txEl>
                                               <p:pRg st="3" end="3"/>
-                                            </p:txEl>
-                                          </p:spTgt>
-                                        </p:tgtEl>
-                                      </p:cBhvr>
-                                    </p:animEffect>
-                                  </p:childTnLst>
-                                </p:cTn>
-                              </p:par>
-                              <p:par>
-                                <p:cTn id="45" presetID="14" presetClass="entr" presetSubtype="10" fill="hold" nodeType="withEffect">
-                                  <p:stCondLst>
-                                    <p:cond delay="0"/>
-                                  </p:stCondLst>
-                                  <p:childTnLst>
-                                    <p:set>
-                                      <p:cBhvr>
-                                        <p:cTn id="46" dur="1" fill="hold">
-                                          <p:stCondLst>
-                                            <p:cond delay="0"/>
-                                          </p:stCondLst>
-                                        </p:cTn>
-                                        <p:tgtEl>
-                                          <p:spTgt spid="3">
-                                            <p:txEl>
-                                              <p:pRg st="4" end="4"/>
-                                            </p:txEl>
-                                          </p:spTgt>
-                                        </p:tgtEl>
-                                        <p:attrNameLst>
-                                          <p:attrName>style.visibility</p:attrName>
-                                        </p:attrNameLst>
-                                      </p:cBhvr>
-                                      <p:to>
-                                        <p:strVal val="visible"/>
-                                      </p:to>
-                                    </p:set>
-                                    <p:animEffect transition="in" filter="randombar(horizontal)">
-                                      <p:cBhvr>
-                                        <p:cTn id="47" dur="500"/>
-                                        <p:tgtEl>
-                                          <p:spTgt spid="3">
-                                            <p:txEl>
-                                              <p:pRg st="4" end="4"/>
                                             </p:txEl>
                                           </p:spTgt>
                                         </p:tgtEl>
@@ -23615,7 +24017,7 @@
                                         <p:tgtEl>
                                           <p:spTgt spid="3">
                                             <p:txEl>
-                                              <p:pRg st="5" end="5"/>
+                                              <p:pRg st="4" end="4"/>
                                             </p:txEl>
                                           </p:spTgt>
                                         </p:tgtEl>
@@ -23633,7 +24035,7 @@
                                         <p:tgtEl>
                                           <p:spTgt spid="3">
                                             <p:txEl>
-                                              <p:pRg st="5" end="5"/>
+                                              <p:pRg st="4" end="4"/>
                                             </p:txEl>
                                           </p:spTgt>
                                         </p:tgtEl>
@@ -23658,7 +24060,7 @@
                                         <p:tgtEl>
                                           <p:spTgt spid="3">
                                             <p:txEl>
-                                              <p:pRg st="6" end="6"/>
+                                              <p:pRg st="5" end="5"/>
                                             </p:txEl>
                                           </p:spTgt>
                                         </p:tgtEl>
@@ -23676,7 +24078,7 @@
                                         <p:tgtEl>
                                           <p:spTgt spid="3">
                                             <p:txEl>
-                                              <p:pRg st="6" end="6"/>
+                                              <p:pRg st="5" end="5"/>
                                             </p:txEl>
                                           </p:spTgt>
                                         </p:tgtEl>
@@ -23701,7 +24103,7 @@
                                         <p:tgtEl>
                                           <p:spTgt spid="3">
                                             <p:txEl>
-                                              <p:pRg st="7" end="7"/>
+                                              <p:pRg st="6" end="6"/>
                                             </p:txEl>
                                           </p:spTgt>
                                         </p:tgtEl>
@@ -23719,6 +24121,49 @@
                                         <p:tgtEl>
                                           <p:spTgt spid="3">
                                             <p:txEl>
+                                              <p:pRg st="6" end="6"/>
+                                            </p:txEl>
+                                          </p:spTgt>
+                                        </p:tgtEl>
+                                      </p:cBhvr>
+                                    </p:animEffect>
+                                  </p:childTnLst>
+                                </p:cTn>
+                              </p:par>
+                              <p:par>
+                                <p:cTn id="57" presetID="14" presetClass="entr" presetSubtype="10" fill="hold" nodeType="withEffect">
+                                  <p:stCondLst>
+                                    <p:cond delay="0"/>
+                                  </p:stCondLst>
+                                  <p:childTnLst>
+                                    <p:set>
+                                      <p:cBhvr>
+                                        <p:cTn id="58" dur="1" fill="hold">
+                                          <p:stCondLst>
+                                            <p:cond delay="0"/>
+                                          </p:stCondLst>
+                                        </p:cTn>
+                                        <p:tgtEl>
+                                          <p:spTgt spid="3">
+                                            <p:txEl>
+                                              <p:pRg st="7" end="7"/>
+                                            </p:txEl>
+                                          </p:spTgt>
+                                        </p:tgtEl>
+                                        <p:attrNameLst>
+                                          <p:attrName>style.visibility</p:attrName>
+                                        </p:attrNameLst>
+                                      </p:cBhvr>
+                                      <p:to>
+                                        <p:strVal val="visible"/>
+                                      </p:to>
+                                    </p:set>
+                                    <p:animEffect transition="in" filter="randombar(horizontal)">
+                                      <p:cBhvr>
+                                        <p:cTn id="59" dur="500"/>
+                                        <p:tgtEl>
+                                          <p:spTgt spid="3">
+                                            <p:txEl>
                                               <p:pRg st="7" end="7"/>
                                             </p:txEl>
                                           </p:spTgt>
@@ -23729,14 +24174,49 @@
                                 </p:cTn>
                               </p:par>
                               <p:par>
-                                <p:cTn id="57" presetID="14" presetClass="exit" presetSubtype="10" fill="hold" nodeType="withEffect">
+                                <p:cTn id="60" presetID="14" presetClass="exit" presetSubtype="10" fill="hold" nodeType="withEffect">
                                   <p:stCondLst>
                                     <p:cond delay="0"/>
                                   </p:stCondLst>
                                   <p:childTnLst>
                                     <p:animEffect transition="out" filter="randombar(horizontal)">
                                       <p:cBhvr>
-                                        <p:cTn id="58" dur="500"/>
+                                        <p:cTn id="61" dur="500"/>
+                                        <p:tgtEl>
+                                          <p:spTgt spid="5"/>
+                                        </p:tgtEl>
+                                      </p:cBhvr>
+                                    </p:animEffect>
+                                    <p:set>
+                                      <p:cBhvr>
+                                        <p:cTn id="62" dur="1" fill="hold">
+                                          <p:stCondLst>
+                                            <p:cond delay="499"/>
+                                          </p:stCondLst>
+                                        </p:cTn>
+                                        <p:tgtEl>
+                                          <p:spTgt spid="5"/>
+                                        </p:tgtEl>
+                                        <p:attrNameLst>
+                                          <p:attrName>style.visibility</p:attrName>
+                                        </p:attrNameLst>
+                                      </p:cBhvr>
+                                      <p:to>
+                                        <p:strVal val="hidden"/>
+                                      </p:to>
+                                    </p:set>
+                                  </p:childTnLst>
+                                </p:cTn>
+                              </p:par>
+                              <p:par>
+                                <p:cTn id="63" presetID="14" presetClass="exit" presetSubtype="10" fill="hold" nodeType="withEffect">
+                                  <p:stCondLst>
+                                    <p:cond delay="0"/>
+                                  </p:stCondLst>
+                                  <p:childTnLst>
+                                    <p:animEffect transition="out" filter="randombar(horizontal)">
+                                      <p:cBhvr>
+                                        <p:cTn id="64" dur="500"/>
                                         <p:tgtEl>
                                           <p:spTgt spid="9"/>
                                         </p:tgtEl>
@@ -23744,7 +24224,7 @@
                                     </p:animEffect>
                                     <p:set>
                                       <p:cBhvr>
-                                        <p:cTn id="59" dur="1" fill="hold">
+                                        <p:cTn id="65" dur="1" fill="hold">
                                           <p:stCondLst>
                                             <p:cond delay="499"/>
                                           </p:stCondLst>
@@ -23764,14 +24244,14 @@
                                 </p:cTn>
                               </p:par>
                               <p:par>
-                                <p:cTn id="60" presetID="14" presetClass="entr" presetSubtype="10" fill="hold" nodeType="withEffect">
+                                <p:cTn id="66" presetID="14" presetClass="entr" presetSubtype="10" fill="hold" nodeType="withEffect">
                                   <p:stCondLst>
                                     <p:cond delay="0"/>
                                   </p:stCondLst>
                                   <p:childTnLst>
                                     <p:set>
                                       <p:cBhvr>
-                                        <p:cTn id="61" dur="1" fill="hold">
+                                        <p:cTn id="67" dur="1" fill="hold">
                                           <p:stCondLst>
                                             <p:cond delay="0"/>
                                           </p:stCondLst>
@@ -23789,7 +24269,7 @@
                                     </p:set>
                                     <p:animEffect transition="in" filter="randombar(horizontal)">
                                       <p:cBhvr>
-                                        <p:cTn id="62" dur="500"/>
+                                        <p:cTn id="68" dur="500"/>
                                         <p:tgtEl>
                                           <p:spTgt spid="38"/>
                                         </p:tgtEl>
@@ -24055,14 +24535,7 @@
                 <a:latin typeface="Segoe UI Light" panose="020B0502040204020203" pitchFamily="34" charset="0"/>
                 <a:cs typeface="Segoe UI Light" panose="020B0502040204020203" pitchFamily="34" charset="0"/>
               </a:rPr>
-              <a:t>Supports </a:t>
-            </a:r>
-            <a:r>
-              <a:rPr lang="en-US" dirty="0" smtClean="0">
-                <a:latin typeface="Segoe UI Light" panose="020B0502040204020203" pitchFamily="34" charset="0"/>
-                <a:cs typeface="Segoe UI Light" panose="020B0502040204020203" pitchFamily="34" charset="0"/>
-              </a:rPr>
-              <a:t>WPF, Silverlight, Windows Phone, and </a:t>
+              <a:t>Supports WPF, Silverlight, Windows Phone, and </a:t>
             </a:r>
             <a:r>
               <a:rPr lang="en-US" dirty="0" err="1" smtClean="0">
@@ -24285,7 +24758,12 @@
             <p:ph idx="1"/>
           </p:nvPr>
         </p:nvSpPr>
-        <p:spPr/>
+        <p:spPr>
+          <a:xfrm>
+            <a:off x="1412469" y="2011680"/>
+            <a:ext cx="9784080" cy="4206240"/>
+          </a:xfrm>
+        </p:spPr>
         <p:txBody>
           <a:bodyPr/>
           <a:lstStyle/>
@@ -24357,7 +24835,7 @@
                 <a:latin typeface="Segoe UI Light" panose="020B0502040204020203" pitchFamily="34" charset="0"/>
                 <a:cs typeface="Segoe UI Light" panose="020B0502040204020203" pitchFamily="34" charset="0"/>
               </a:rPr>
-              <a:t>Sharing</a:t>
+              <a:t>Share</a:t>
             </a:r>
           </a:p>
           <a:p>
@@ -24368,6 +24846,69 @@
           </a:p>
         </p:txBody>
       </p:sp>
+      <p:grpSp>
+        <p:nvGrpSpPr>
+          <p:cNvPr id="10" name="Group 9"/>
+          <p:cNvGrpSpPr/>
+          <p:nvPr/>
+        </p:nvGrpSpPr>
+        <p:grpSpPr>
+          <a:xfrm>
+            <a:off x="8415810" y="3712370"/>
+            <a:ext cx="2047875" cy="804859"/>
+            <a:chOff x="5191597" y="4800597"/>
+            <a:chExt cx="2047875" cy="804859"/>
+          </a:xfrm>
+        </p:grpSpPr>
+        <p:pic>
+          <p:nvPicPr>
+            <p:cNvPr id="7" name="Picture 6"/>
+            <p:cNvPicPr>
+              <a:picLocks noChangeAspect="1"/>
+            </p:cNvPicPr>
+            <p:nvPr/>
+          </p:nvPicPr>
+          <p:blipFill>
+            <a:blip r:embed="rId3"/>
+            <a:stretch>
+              <a:fillRect/>
+            </a:stretch>
+          </p:blipFill>
+          <p:spPr>
+            <a:xfrm>
+              <a:off x="5191597" y="4800597"/>
+              <a:ext cx="790575" cy="790575"/>
+            </a:xfrm>
+            <a:prstGeom prst="rect">
+              <a:avLst/>
+            </a:prstGeom>
+          </p:spPr>
+        </p:pic>
+        <p:pic>
+          <p:nvPicPr>
+            <p:cNvPr id="9" name="Picture 8"/>
+            <p:cNvPicPr>
+              <a:picLocks noChangeAspect="1"/>
+            </p:cNvPicPr>
+            <p:nvPr/>
+          </p:nvPicPr>
+          <p:blipFill>
+            <a:blip r:embed="rId4"/>
+            <a:stretch>
+              <a:fillRect/>
+            </a:stretch>
+          </p:blipFill>
+          <p:spPr>
+            <a:xfrm>
+              <a:off x="6448897" y="4814881"/>
+              <a:ext cx="790575" cy="790575"/>
+            </a:xfrm>
+            <a:prstGeom prst="rect">
+              <a:avLst/>
+            </a:prstGeom>
+          </p:spPr>
+        </p:pic>
+      </p:grpSp>
     </p:spTree>
     <p:extLst>
       <p:ext uri="{BB962C8B-B14F-4D97-AF65-F5344CB8AC3E}">
@@ -24381,7 +24922,395 @@
   <p:timing>
     <p:tnLst>
       <p:par>
-        <p:cTn id="1" dur="indefinite" restart="never" nodeType="tmRoot"/>
+        <p:cTn id="1" dur="indefinite" restart="never" nodeType="tmRoot">
+          <p:childTnLst>
+            <p:seq concurrent="1" nextAc="seek">
+              <p:cTn id="2" dur="indefinite" nodeType="mainSeq">
+                <p:childTnLst>
+                  <p:par>
+                    <p:cTn id="3" fill="hold">
+                      <p:stCondLst>
+                        <p:cond delay="indefinite"/>
+                      </p:stCondLst>
+                      <p:childTnLst>
+                        <p:par>
+                          <p:cTn id="4" fill="hold">
+                            <p:stCondLst>
+                              <p:cond delay="0"/>
+                            </p:stCondLst>
+                            <p:childTnLst>
+                              <p:par>
+                                <p:cTn id="5" presetID="14" presetClass="entr" presetSubtype="10" fill="hold" nodeType="clickEffect">
+                                  <p:stCondLst>
+                                    <p:cond delay="0"/>
+                                  </p:stCondLst>
+                                  <p:childTnLst>
+                                    <p:set>
+                                      <p:cBhvr>
+                                        <p:cTn id="6" dur="1" fill="hold">
+                                          <p:stCondLst>
+                                            <p:cond delay="0"/>
+                                          </p:stCondLst>
+                                        </p:cTn>
+                                        <p:tgtEl>
+                                          <p:spTgt spid="3">
+                                            <p:txEl>
+                                              <p:pRg st="0" end="0"/>
+                                            </p:txEl>
+                                          </p:spTgt>
+                                        </p:tgtEl>
+                                        <p:attrNameLst>
+                                          <p:attrName>style.visibility</p:attrName>
+                                        </p:attrNameLst>
+                                      </p:cBhvr>
+                                      <p:to>
+                                        <p:strVal val="visible"/>
+                                      </p:to>
+                                    </p:set>
+                                    <p:animEffect transition="in" filter="randombar(horizontal)">
+                                      <p:cBhvr>
+                                        <p:cTn id="7" dur="500"/>
+                                        <p:tgtEl>
+                                          <p:spTgt spid="3">
+                                            <p:txEl>
+                                              <p:pRg st="0" end="0"/>
+                                            </p:txEl>
+                                          </p:spTgt>
+                                        </p:tgtEl>
+                                      </p:cBhvr>
+                                    </p:animEffect>
+                                  </p:childTnLst>
+                                </p:cTn>
+                              </p:par>
+                            </p:childTnLst>
+                          </p:cTn>
+                        </p:par>
+                      </p:childTnLst>
+                    </p:cTn>
+                  </p:par>
+                  <p:par>
+                    <p:cTn id="8" fill="hold">
+                      <p:stCondLst>
+                        <p:cond delay="indefinite"/>
+                      </p:stCondLst>
+                      <p:childTnLst>
+                        <p:par>
+                          <p:cTn id="9" fill="hold">
+                            <p:stCondLst>
+                              <p:cond delay="0"/>
+                            </p:stCondLst>
+                            <p:childTnLst>
+                              <p:par>
+                                <p:cTn id="10" presetID="14" presetClass="entr" presetSubtype="10" fill="hold" nodeType="clickEffect">
+                                  <p:stCondLst>
+                                    <p:cond delay="0"/>
+                                  </p:stCondLst>
+                                  <p:childTnLst>
+                                    <p:set>
+                                      <p:cBhvr>
+                                        <p:cTn id="11" dur="1" fill="hold">
+                                          <p:stCondLst>
+                                            <p:cond delay="0"/>
+                                          </p:stCondLst>
+                                        </p:cTn>
+                                        <p:tgtEl>
+                                          <p:spTgt spid="3">
+                                            <p:txEl>
+                                              <p:pRg st="1" end="1"/>
+                                            </p:txEl>
+                                          </p:spTgt>
+                                        </p:tgtEl>
+                                        <p:attrNameLst>
+                                          <p:attrName>style.visibility</p:attrName>
+                                        </p:attrNameLst>
+                                      </p:cBhvr>
+                                      <p:to>
+                                        <p:strVal val="visible"/>
+                                      </p:to>
+                                    </p:set>
+                                    <p:animEffect transition="in" filter="randombar(horizontal)">
+                                      <p:cBhvr>
+                                        <p:cTn id="12" dur="500"/>
+                                        <p:tgtEl>
+                                          <p:spTgt spid="3">
+                                            <p:txEl>
+                                              <p:pRg st="1" end="1"/>
+                                            </p:txEl>
+                                          </p:spTgt>
+                                        </p:tgtEl>
+                                      </p:cBhvr>
+                                    </p:animEffect>
+                                  </p:childTnLst>
+                                </p:cTn>
+                              </p:par>
+                            </p:childTnLst>
+                          </p:cTn>
+                        </p:par>
+                      </p:childTnLst>
+                    </p:cTn>
+                  </p:par>
+                  <p:par>
+                    <p:cTn id="13" fill="hold">
+                      <p:stCondLst>
+                        <p:cond delay="indefinite"/>
+                      </p:stCondLst>
+                      <p:childTnLst>
+                        <p:par>
+                          <p:cTn id="14" fill="hold">
+                            <p:stCondLst>
+                              <p:cond delay="0"/>
+                            </p:stCondLst>
+                            <p:childTnLst>
+                              <p:par>
+                                <p:cTn id="15" presetID="14" presetClass="entr" presetSubtype="10" fill="hold" nodeType="clickEffect">
+                                  <p:stCondLst>
+                                    <p:cond delay="0"/>
+                                  </p:stCondLst>
+                                  <p:childTnLst>
+                                    <p:set>
+                                      <p:cBhvr>
+                                        <p:cTn id="16" dur="1" fill="hold">
+                                          <p:stCondLst>
+                                            <p:cond delay="0"/>
+                                          </p:stCondLst>
+                                        </p:cTn>
+                                        <p:tgtEl>
+                                          <p:spTgt spid="3">
+                                            <p:txEl>
+                                              <p:pRg st="2" end="2"/>
+                                            </p:txEl>
+                                          </p:spTgt>
+                                        </p:tgtEl>
+                                        <p:attrNameLst>
+                                          <p:attrName>style.visibility</p:attrName>
+                                        </p:attrNameLst>
+                                      </p:cBhvr>
+                                      <p:to>
+                                        <p:strVal val="visible"/>
+                                      </p:to>
+                                    </p:set>
+                                    <p:animEffect transition="in" filter="randombar(horizontal)">
+                                      <p:cBhvr>
+                                        <p:cTn id="17" dur="500"/>
+                                        <p:tgtEl>
+                                          <p:spTgt spid="3">
+                                            <p:txEl>
+                                              <p:pRg st="2" end="2"/>
+                                            </p:txEl>
+                                          </p:spTgt>
+                                        </p:tgtEl>
+                                      </p:cBhvr>
+                                    </p:animEffect>
+                                  </p:childTnLst>
+                                </p:cTn>
+                              </p:par>
+                            </p:childTnLst>
+                          </p:cTn>
+                        </p:par>
+                      </p:childTnLst>
+                    </p:cTn>
+                  </p:par>
+                  <p:par>
+                    <p:cTn id="18" fill="hold">
+                      <p:stCondLst>
+                        <p:cond delay="indefinite"/>
+                      </p:stCondLst>
+                      <p:childTnLst>
+                        <p:par>
+                          <p:cTn id="19" fill="hold">
+                            <p:stCondLst>
+                              <p:cond delay="0"/>
+                            </p:stCondLst>
+                            <p:childTnLst>
+                              <p:par>
+                                <p:cTn id="20" presetID="14" presetClass="entr" presetSubtype="10" fill="hold" nodeType="clickEffect">
+                                  <p:stCondLst>
+                                    <p:cond delay="0"/>
+                                  </p:stCondLst>
+                                  <p:childTnLst>
+                                    <p:set>
+                                      <p:cBhvr>
+                                        <p:cTn id="21" dur="1" fill="hold">
+                                          <p:stCondLst>
+                                            <p:cond delay="0"/>
+                                          </p:stCondLst>
+                                        </p:cTn>
+                                        <p:tgtEl>
+                                          <p:spTgt spid="3">
+                                            <p:txEl>
+                                              <p:pRg st="3" end="3"/>
+                                            </p:txEl>
+                                          </p:spTgt>
+                                        </p:tgtEl>
+                                        <p:attrNameLst>
+                                          <p:attrName>style.visibility</p:attrName>
+                                        </p:attrNameLst>
+                                      </p:cBhvr>
+                                      <p:to>
+                                        <p:strVal val="visible"/>
+                                      </p:to>
+                                    </p:set>
+                                    <p:animEffect transition="in" filter="randombar(horizontal)">
+                                      <p:cBhvr>
+                                        <p:cTn id="22" dur="500"/>
+                                        <p:tgtEl>
+                                          <p:spTgt spid="3">
+                                            <p:txEl>
+                                              <p:pRg st="3" end="3"/>
+                                            </p:txEl>
+                                          </p:spTgt>
+                                        </p:tgtEl>
+                                      </p:cBhvr>
+                                    </p:animEffect>
+                                  </p:childTnLst>
+                                </p:cTn>
+                              </p:par>
+                              <p:par>
+                                <p:cTn id="23" presetID="14" presetClass="entr" presetSubtype="10" fill="hold" nodeType="withEffect">
+                                  <p:stCondLst>
+                                    <p:cond delay="0"/>
+                                  </p:stCondLst>
+                                  <p:childTnLst>
+                                    <p:set>
+                                      <p:cBhvr>
+                                        <p:cTn id="24" dur="1" fill="hold">
+                                          <p:stCondLst>
+                                            <p:cond delay="0"/>
+                                          </p:stCondLst>
+                                        </p:cTn>
+                                        <p:tgtEl>
+                                          <p:spTgt spid="3">
+                                            <p:txEl>
+                                              <p:pRg st="4" end="4"/>
+                                            </p:txEl>
+                                          </p:spTgt>
+                                        </p:tgtEl>
+                                        <p:attrNameLst>
+                                          <p:attrName>style.visibility</p:attrName>
+                                        </p:attrNameLst>
+                                      </p:cBhvr>
+                                      <p:to>
+                                        <p:strVal val="visible"/>
+                                      </p:to>
+                                    </p:set>
+                                    <p:animEffect transition="in" filter="randombar(horizontal)">
+                                      <p:cBhvr>
+                                        <p:cTn id="25" dur="500"/>
+                                        <p:tgtEl>
+                                          <p:spTgt spid="3">
+                                            <p:txEl>
+                                              <p:pRg st="4" end="4"/>
+                                            </p:txEl>
+                                          </p:spTgt>
+                                        </p:tgtEl>
+                                      </p:cBhvr>
+                                    </p:animEffect>
+                                  </p:childTnLst>
+                                </p:cTn>
+                              </p:par>
+                              <p:par>
+                                <p:cTn id="26" presetID="14" presetClass="entr" presetSubtype="10" fill="hold" nodeType="withEffect">
+                                  <p:stCondLst>
+                                    <p:cond delay="0"/>
+                                  </p:stCondLst>
+                                  <p:childTnLst>
+                                    <p:set>
+                                      <p:cBhvr>
+                                        <p:cTn id="27" dur="1" fill="hold">
+                                          <p:stCondLst>
+                                            <p:cond delay="0"/>
+                                          </p:stCondLst>
+                                        </p:cTn>
+                                        <p:tgtEl>
+                                          <p:spTgt spid="3">
+                                            <p:txEl>
+                                              <p:pRg st="5" end="5"/>
+                                            </p:txEl>
+                                          </p:spTgt>
+                                        </p:tgtEl>
+                                        <p:attrNameLst>
+                                          <p:attrName>style.visibility</p:attrName>
+                                        </p:attrNameLst>
+                                      </p:cBhvr>
+                                      <p:to>
+                                        <p:strVal val="visible"/>
+                                      </p:to>
+                                    </p:set>
+                                    <p:animEffect transition="in" filter="randombar(horizontal)">
+                                      <p:cBhvr>
+                                        <p:cTn id="28" dur="500"/>
+                                        <p:tgtEl>
+                                          <p:spTgt spid="3">
+                                            <p:txEl>
+                                              <p:pRg st="5" end="5"/>
+                                            </p:txEl>
+                                          </p:spTgt>
+                                        </p:tgtEl>
+                                      </p:cBhvr>
+                                    </p:animEffect>
+                                  </p:childTnLst>
+                                </p:cTn>
+                              </p:par>
+                              <p:par>
+                                <p:cTn id="29" presetID="14" presetClass="entr" presetSubtype="10" fill="hold" nodeType="withEffect">
+                                  <p:stCondLst>
+                                    <p:cond delay="0"/>
+                                  </p:stCondLst>
+                                  <p:childTnLst>
+                                    <p:set>
+                                      <p:cBhvr>
+                                        <p:cTn id="30" dur="1" fill="hold">
+                                          <p:stCondLst>
+                                            <p:cond delay="0"/>
+                                          </p:stCondLst>
+                                        </p:cTn>
+                                        <p:tgtEl>
+                                          <p:spTgt spid="10"/>
+                                        </p:tgtEl>
+                                        <p:attrNameLst>
+                                          <p:attrName>style.visibility</p:attrName>
+                                        </p:attrNameLst>
+                                      </p:cBhvr>
+                                      <p:to>
+                                        <p:strVal val="visible"/>
+                                      </p:to>
+                                    </p:set>
+                                    <p:animEffect transition="in" filter="randombar(horizontal)">
+                                      <p:cBhvr>
+                                        <p:cTn id="31" dur="500"/>
+                                        <p:tgtEl>
+                                          <p:spTgt spid="10"/>
+                                        </p:tgtEl>
+                                      </p:cBhvr>
+                                    </p:animEffect>
+                                  </p:childTnLst>
+                                </p:cTn>
+                              </p:par>
+                            </p:childTnLst>
+                          </p:cTn>
+                        </p:par>
+                      </p:childTnLst>
+                    </p:cTn>
+                  </p:par>
+                </p:childTnLst>
+              </p:cTn>
+              <p:prevCondLst>
+                <p:cond evt="onPrev" delay="0">
+                  <p:tgtEl>
+                    <p:sldTgt/>
+                  </p:tgtEl>
+                </p:cond>
+              </p:prevCondLst>
+              <p:nextCondLst>
+                <p:cond evt="onNext" delay="0">
+                  <p:tgtEl>
+                    <p:sldTgt/>
+                  </p:tgtEl>
+                </p:cond>
+              </p:nextCondLst>
+            </p:seq>
+          </p:childTnLst>
+        </p:cTn>
       </p:par>
     </p:tnLst>
   </p:timing>
